--- a/presentation/Complex Event Processing for Internet of Things.pptx
+++ b/presentation/Complex Event Processing for Internet of Things.pptx
@@ -8,10 +8,10 @@
     <p:sldMasterId id="2147483677" r:id="rId4"/>
   </p:sldMasterIdLst>
   <p:notesMasterIdLst>
-    <p:notesMasterId r:id="rId31"/>
+    <p:notesMasterId r:id="rId32"/>
   </p:notesMasterIdLst>
   <p:handoutMasterIdLst>
-    <p:handoutMasterId r:id="rId32"/>
+    <p:handoutMasterId r:id="rId33"/>
   </p:handoutMasterIdLst>
   <p:sldIdLst>
     <p:sldId id="257" r:id="rId5"/>
@@ -33,13 +33,14 @@
     <p:sldId id="287" r:id="rId21"/>
     <p:sldId id="288" r:id="rId22"/>
     <p:sldId id="297" r:id="rId23"/>
-    <p:sldId id="298" r:id="rId24"/>
-    <p:sldId id="299" r:id="rId25"/>
-    <p:sldId id="300" r:id="rId26"/>
-    <p:sldId id="280" r:id="rId27"/>
-    <p:sldId id="267" r:id="rId28"/>
-    <p:sldId id="296" r:id="rId29"/>
-    <p:sldId id="282" r:id="rId30"/>
+    <p:sldId id="301" r:id="rId24"/>
+    <p:sldId id="298" r:id="rId25"/>
+    <p:sldId id="299" r:id="rId26"/>
+    <p:sldId id="300" r:id="rId27"/>
+    <p:sldId id="280" r:id="rId28"/>
+    <p:sldId id="267" r:id="rId29"/>
+    <p:sldId id="296" r:id="rId30"/>
+    <p:sldId id="282" r:id="rId31"/>
   </p:sldIdLst>
   <p:sldSz cx="9144000" cy="6858000" type="screen4x3"/>
   <p:notesSz cx="6858000" cy="9144000"/>
@@ -3738,14 +3739,14 @@
           </a:ln>
           <a:extLst>
             <a:ext uri="{909E8E84-426E-40dd-AFC4-6F175D3DCCD1}">
-              <a14:hiddenFill xmlns:a14="http://schemas.microsoft.com/office/drawing/2010/main" xmlns:p="http://schemas.openxmlformats.org/presentationml/2006/main" xmlns:r="http://schemas.openxmlformats.org/officeDocument/2006/relationships" xmlns:a="http://schemas.openxmlformats.org/drawingml/2006/main" xmlns="">
+              <a14:hiddenFill xmlns="" xmlns:a="http://schemas.openxmlformats.org/drawingml/2006/main" xmlns:r="http://schemas.openxmlformats.org/officeDocument/2006/relationships" xmlns:p="http://schemas.openxmlformats.org/presentationml/2006/main" xmlns:a14="http://schemas.microsoft.com/office/drawing/2010/main">
                 <a:solidFill>
                   <a:srgbClr val="FFFFFF"/>
                 </a:solidFill>
               </a14:hiddenFill>
             </a:ext>
             <a:ext uri="{91240B29-F687-4f45-9708-019B960494DF}">
-              <a14:hiddenLine xmlns:a14="http://schemas.microsoft.com/office/drawing/2010/main" xmlns:p="http://schemas.openxmlformats.org/presentationml/2006/main" xmlns:r="http://schemas.openxmlformats.org/officeDocument/2006/relationships" xmlns:a="http://schemas.openxmlformats.org/drawingml/2006/main" xmlns="" w="9525">
+              <a14:hiddenLine xmlns="" xmlns:a="http://schemas.openxmlformats.org/drawingml/2006/main" xmlns:r="http://schemas.openxmlformats.org/officeDocument/2006/relationships" xmlns:p="http://schemas.openxmlformats.org/presentationml/2006/main" xmlns:a14="http://schemas.microsoft.com/office/drawing/2010/main" w="9525">
                 <a:solidFill>
                   <a:srgbClr val="000000"/>
                 </a:solidFill>
@@ -3982,14 +3983,14 @@
           </a:ln>
           <a:extLst>
             <a:ext uri="{909E8E84-426E-40dd-AFC4-6F175D3DCCD1}">
-              <a14:hiddenFill xmlns:a14="http://schemas.microsoft.com/office/drawing/2010/main" xmlns:p="http://schemas.openxmlformats.org/presentationml/2006/main" xmlns:r="http://schemas.openxmlformats.org/officeDocument/2006/relationships" xmlns:a="http://schemas.openxmlformats.org/drawingml/2006/main" xmlns="">
+              <a14:hiddenFill xmlns="" xmlns:a="http://schemas.openxmlformats.org/drawingml/2006/main" xmlns:r="http://schemas.openxmlformats.org/officeDocument/2006/relationships" xmlns:p="http://schemas.openxmlformats.org/presentationml/2006/main" xmlns:a14="http://schemas.microsoft.com/office/drawing/2010/main">
                 <a:solidFill>
                   <a:srgbClr val="FFFFFF"/>
                 </a:solidFill>
               </a14:hiddenFill>
             </a:ext>
             <a:ext uri="{91240B29-F687-4f45-9708-019B960494DF}">
-              <a14:hiddenLine xmlns:a14="http://schemas.microsoft.com/office/drawing/2010/main" xmlns:p="http://schemas.openxmlformats.org/presentationml/2006/main" xmlns:r="http://schemas.openxmlformats.org/officeDocument/2006/relationships" xmlns:a="http://schemas.openxmlformats.org/drawingml/2006/main" xmlns="" w="9525">
+              <a14:hiddenLine xmlns="" xmlns:a="http://schemas.openxmlformats.org/drawingml/2006/main" xmlns:r="http://schemas.openxmlformats.org/officeDocument/2006/relationships" xmlns:p="http://schemas.openxmlformats.org/presentationml/2006/main" xmlns:a14="http://schemas.microsoft.com/office/drawing/2010/main" w="9525">
                 <a:solidFill>
                   <a:srgbClr val="000000"/>
                 </a:solidFill>
@@ -6004,7 +6005,7 @@
         </p:blipFill>
         <p:spPr>
           <a:xfrm>
-            <a:off x="99528" y="1903507"/>
+            <a:off x="99528" y="2839250"/>
             <a:ext cx="8944943" cy="1871487"/>
           </a:xfrm>
         </p:spPr>
@@ -6063,7 +6064,7 @@
         </p:nvSpPr>
         <p:spPr>
           <a:xfrm>
-            <a:off x="320511" y="1272619"/>
+            <a:off x="320511" y="1876261"/>
             <a:ext cx="8366289" cy="523220"/>
           </a:xfrm>
           <a:prstGeom prst="rect">
@@ -6138,14 +6139,14 @@
           <a:noFill/>
           <a:extLst>
             <a:ext uri="{909E8E84-426E-40dd-AFC4-6F175D3DCCD1}">
-              <a14:hiddenFill xmlns:a14="http://schemas.microsoft.com/office/drawing/2010/main" xmlns:p="http://schemas.openxmlformats.org/presentationml/2006/main" xmlns:r="http://schemas.openxmlformats.org/officeDocument/2006/relationships" xmlns:a="http://schemas.openxmlformats.org/drawingml/2006/main" xmlns="">
+              <a14:hiddenFill xmlns="" xmlns:a="http://schemas.openxmlformats.org/drawingml/2006/main" xmlns:r="http://schemas.openxmlformats.org/officeDocument/2006/relationships" xmlns:p="http://schemas.openxmlformats.org/presentationml/2006/main" xmlns:a14="http://schemas.microsoft.com/office/drawing/2010/main">
                 <a:solidFill>
                   <a:srgbClr val="FFFFFF"/>
                 </a:solidFill>
               </a14:hiddenFill>
             </a:ext>
             <a:ext uri="{91240B29-F687-4f45-9708-019B960494DF}">
-              <a14:hiddenLine xmlns:a14="http://schemas.microsoft.com/office/drawing/2010/main" xmlns:p="http://schemas.openxmlformats.org/presentationml/2006/main" xmlns:r="http://schemas.openxmlformats.org/officeDocument/2006/relationships" xmlns:a="http://schemas.openxmlformats.org/drawingml/2006/main" xmlns="" w="9525">
+              <a14:hiddenLine xmlns="" xmlns:a="http://schemas.openxmlformats.org/drawingml/2006/main" xmlns:r="http://schemas.openxmlformats.org/officeDocument/2006/relationships" xmlns:p="http://schemas.openxmlformats.org/presentationml/2006/main" xmlns:a14="http://schemas.microsoft.com/office/drawing/2010/main" w="9525">
                 <a:solidFill>
                   <a:srgbClr val="000000"/>
                 </a:solidFill>
@@ -6155,7 +6156,7 @@
               </a14:hiddenLine>
             </a:ext>
             <a:ext uri="{FAA26D3D-D897-4be2-8F04-BA451C77F1D7}">
-              <ma14:placeholderFlag xmlns:ma14="http://schemas.microsoft.com/office/mac/drawingml/2011/main" xmlns:p="http://schemas.openxmlformats.org/presentationml/2006/main" xmlns:r="http://schemas.openxmlformats.org/officeDocument/2006/relationships" xmlns:a="http://schemas.openxmlformats.org/drawingml/2006/main" xmlns="" val="1"/>
+              <ma14:placeholderFlag xmlns="" xmlns:a="http://schemas.openxmlformats.org/drawingml/2006/main" xmlns:r="http://schemas.openxmlformats.org/officeDocument/2006/relationships" xmlns:p="http://schemas.openxmlformats.org/presentationml/2006/main" xmlns:ma14="http://schemas.microsoft.com/office/mac/drawingml/2011/main" val="1"/>
             </a:ext>
           </a:extLst>
         </p:spPr>
@@ -6956,14 +6957,14 @@
           <a:noFill/>
           <a:extLst>
             <a:ext uri="{909E8E84-426E-40dd-AFC4-6F175D3DCCD1}">
-              <a14:hiddenFill xmlns:a14="http://schemas.microsoft.com/office/drawing/2010/main" xmlns:p="http://schemas.openxmlformats.org/presentationml/2006/main" xmlns:r="http://schemas.openxmlformats.org/officeDocument/2006/relationships" xmlns:a="http://schemas.openxmlformats.org/drawingml/2006/main" xmlns="">
+              <a14:hiddenFill xmlns="" xmlns:a="http://schemas.openxmlformats.org/drawingml/2006/main" xmlns:r="http://schemas.openxmlformats.org/officeDocument/2006/relationships" xmlns:p="http://schemas.openxmlformats.org/presentationml/2006/main" xmlns:a14="http://schemas.microsoft.com/office/drawing/2010/main">
                 <a:solidFill>
                   <a:srgbClr val="FFFFFF"/>
                 </a:solidFill>
               </a14:hiddenFill>
             </a:ext>
             <a:ext uri="{91240B29-F687-4f45-9708-019B960494DF}">
-              <a14:hiddenLine xmlns:a14="http://schemas.microsoft.com/office/drawing/2010/main" xmlns:p="http://schemas.openxmlformats.org/presentationml/2006/main" xmlns:r="http://schemas.openxmlformats.org/officeDocument/2006/relationships" xmlns:a="http://schemas.openxmlformats.org/drawingml/2006/main" xmlns="" w="9525">
+              <a14:hiddenLine xmlns="" xmlns:a="http://schemas.openxmlformats.org/drawingml/2006/main" xmlns:r="http://schemas.openxmlformats.org/officeDocument/2006/relationships" xmlns:p="http://schemas.openxmlformats.org/presentationml/2006/main" xmlns:a14="http://schemas.microsoft.com/office/drawing/2010/main" w="9525">
                 <a:solidFill>
                   <a:srgbClr val="000000"/>
                 </a:solidFill>
@@ -6973,7 +6974,7 @@
               </a14:hiddenLine>
             </a:ext>
             <a:ext uri="{FAA26D3D-D897-4be2-8F04-BA451C77F1D7}">
-              <ma14:placeholderFlag xmlns:ma14="http://schemas.microsoft.com/office/mac/drawingml/2011/main" xmlns:p="http://schemas.openxmlformats.org/presentationml/2006/main" xmlns:r="http://schemas.openxmlformats.org/officeDocument/2006/relationships" xmlns:a="http://schemas.openxmlformats.org/drawingml/2006/main" xmlns="" val="1"/>
+              <ma14:placeholderFlag xmlns="" xmlns:a="http://schemas.openxmlformats.org/drawingml/2006/main" xmlns:r="http://schemas.openxmlformats.org/officeDocument/2006/relationships" xmlns:p="http://schemas.openxmlformats.org/presentationml/2006/main" xmlns:ma14="http://schemas.microsoft.com/office/mac/drawingml/2011/main" val="1"/>
             </a:ext>
           </a:extLst>
         </p:spPr>
@@ -7365,19 +7366,85 @@
           </a:bodyPr>
           <a:lstStyle/>
           <a:p>
-            <a:pPr eaLnBrk="1" hangingPunct="1"/>
-            <a:r>
-              <a:rPr lang="fr-FR" altLang="fr-FR" u="sng" dirty="0" err="1">
+            <a:r>
+              <a:rPr lang="fr-FR" altLang="fr-FR" b="1" u="sng" dirty="0" err="1">
                 <a:ea typeface="ＭＳ Ｐゴシック" panose="020B0600070205080204" pitchFamily="34" charset="-128"/>
               </a:rPr>
               <a:t>Scalability</a:t>
             </a:r>
             <a:r>
-              <a:rPr lang="fr-FR" altLang="fr-FR" u="sng" dirty="0">
+              <a:rPr lang="fr-FR" altLang="fr-FR" b="1" u="sng" dirty="0">
                 <a:ea typeface="ＭＳ Ｐゴシック" panose="020B0600070205080204" pitchFamily="34" charset="-128"/>
               </a:rPr>
               <a:t> :</a:t>
             </a:r>
+            <a:r>
+              <a:rPr lang="fr-FR" altLang="fr-FR" b="1" dirty="0">
+                <a:ea typeface="ＭＳ Ｐゴシック" panose="020B0600070205080204" pitchFamily="34" charset="-128"/>
+              </a:rPr>
+              <a:t> </a:t>
+            </a:r>
+          </a:p>
+          <a:p>
+            <a:pPr marL="457200" indent="-457200">
+              <a:buFont typeface="Arial" panose="020B0604020202020204" pitchFamily="34" charset="0"/>
+              <a:buChar char="•"/>
+            </a:pPr>
+            <a:r>
+              <a:rPr lang="fr-BE" dirty="0"/>
+              <a:t>Hardware </a:t>
+            </a:r>
+            <a:r>
+              <a:rPr lang="fr-BE" dirty="0" err="1"/>
+              <a:t>scalability</a:t>
+            </a:r>
+            <a:r>
+              <a:rPr lang="fr-BE" dirty="0"/>
+              <a:t> </a:t>
+            </a:r>
+          </a:p>
+          <a:p>
+            <a:pPr marL="457200" indent="-457200">
+              <a:buFont typeface="Arial" panose="020B0604020202020204" pitchFamily="34" charset="0"/>
+              <a:buChar char="•"/>
+            </a:pPr>
+            <a:endParaRPr lang="fr-BE" dirty="0"/>
+          </a:p>
+          <a:p>
+            <a:pPr marL="457200" indent="-457200">
+              <a:buFont typeface="Arial" panose="020B0604020202020204" pitchFamily="34" charset="0"/>
+              <a:buChar char="•"/>
+            </a:pPr>
+            <a:endParaRPr lang="fr-BE" dirty="0"/>
+          </a:p>
+          <a:p>
+            <a:pPr marL="457200" indent="-457200">
+              <a:buFont typeface="Arial" panose="020B0604020202020204" pitchFamily="34" charset="0"/>
+              <a:buChar char="•"/>
+            </a:pPr>
+            <a:endParaRPr lang="fr-BE" dirty="0"/>
+          </a:p>
+          <a:p>
+            <a:pPr marL="457200" indent="-457200">
+              <a:buFont typeface="Arial" panose="020B0604020202020204" pitchFamily="34" charset="0"/>
+              <a:buChar char="•"/>
+            </a:pPr>
+            <a:endParaRPr lang="fr-BE" dirty="0"/>
+          </a:p>
+          <a:p>
+            <a:pPr marL="457200" indent="-457200">
+              <a:buFont typeface="Arial" panose="020B0604020202020204" pitchFamily="34" charset="0"/>
+              <a:buChar char="•"/>
+            </a:pPr>
+            <a:endParaRPr lang="fr-BE" dirty="0"/>
+          </a:p>
+          <a:p>
+            <a:endParaRPr lang="fr-BE" dirty="0"/>
+          </a:p>
+          <a:p>
+            <a:endParaRPr lang="fr-FR" altLang="fr-FR" u="sng" dirty="0">
+              <a:ea typeface="ＭＳ Ｐゴシック" panose="020B0600070205080204" pitchFamily="34" charset="-128"/>
+            </a:endParaRPr>
           </a:p>
           <a:p>
             <a:pPr eaLnBrk="1" hangingPunct="1"/>
@@ -7436,6 +7503,36 @@
           </a:p>
         </p:txBody>
       </p:sp>
+      <p:pic>
+        <p:nvPicPr>
+          <p:cNvPr id="5" name="Image 4" descr="Une image contenant intérieur&#10;&#10;Description générée automatiquement">
+            <a:extLst>
+              <a:ext uri="{FF2B5EF4-FFF2-40B4-BE49-F238E27FC236}">
+                <a16:creationId xmlns:a16="http://schemas.microsoft.com/office/drawing/2014/main" id="{32CB39E5-1BCC-4CCB-8092-4F7292D3EFD3}"/>
+              </a:ext>
+            </a:extLst>
+          </p:cNvPr>
+          <p:cNvPicPr>
+            <a:picLocks noChangeAspect="1"/>
+          </p:cNvPicPr>
+          <p:nvPr/>
+        </p:nvPicPr>
+        <p:blipFill>
+          <a:blip r:embed="rId2"/>
+          <a:stretch>
+            <a:fillRect/>
+          </a:stretch>
+        </p:blipFill>
+        <p:spPr>
+          <a:xfrm>
+            <a:off x="667783" y="2499437"/>
+            <a:ext cx="7808434" cy="3701401"/>
+          </a:xfrm>
+          <a:prstGeom prst="rect">
+            <a:avLst/>
+          </a:prstGeom>
+        </p:spPr>
+      </p:pic>
     </p:spTree>
     <p:extLst>
       <p:ext uri="{BB962C8B-B14F-4D97-AF65-F5344CB8AC3E}">
@@ -7777,19 +7874,85 @@
           </a:bodyPr>
           <a:lstStyle/>
           <a:p>
-            <a:pPr eaLnBrk="1" hangingPunct="1"/>
-            <a:r>
-              <a:rPr lang="fr-FR" altLang="fr-FR" u="sng" dirty="0" err="1">
+            <a:r>
+              <a:rPr lang="fr-FR" altLang="fr-FR" b="1" u="sng" dirty="0" err="1">
                 <a:ea typeface="ＭＳ Ｐゴシック" panose="020B0600070205080204" pitchFamily="34" charset="-128"/>
               </a:rPr>
-              <a:t>Reliability</a:t>
-            </a:r>
-            <a:r>
-              <a:rPr lang="fr-FR" altLang="fr-FR" u="sng" dirty="0">
+              <a:t>Scalability</a:t>
+            </a:r>
+            <a:r>
+              <a:rPr lang="fr-FR" altLang="fr-FR" b="1" u="sng" dirty="0">
                 <a:ea typeface="ＭＳ Ｐゴシック" panose="020B0600070205080204" pitchFamily="34" charset="-128"/>
               </a:rPr>
               <a:t> :</a:t>
             </a:r>
+            <a:r>
+              <a:rPr lang="fr-FR" altLang="fr-FR" b="1" dirty="0">
+                <a:ea typeface="ＭＳ Ｐゴシック" panose="020B0600070205080204" pitchFamily="34" charset="-128"/>
+              </a:rPr>
+              <a:t> </a:t>
+            </a:r>
+          </a:p>
+          <a:p>
+            <a:pPr marL="457200" indent="-457200">
+              <a:buFont typeface="Arial" panose="020B0604020202020204" pitchFamily="34" charset="0"/>
+              <a:buChar char="•"/>
+            </a:pPr>
+            <a:r>
+              <a:rPr lang="fr-BE" dirty="0"/>
+              <a:t>Software </a:t>
+            </a:r>
+            <a:r>
+              <a:rPr lang="fr-BE" dirty="0" err="1"/>
+              <a:t>scalability</a:t>
+            </a:r>
+            <a:r>
+              <a:rPr lang="fr-BE" dirty="0"/>
+              <a:t> </a:t>
+            </a:r>
+          </a:p>
+          <a:p>
+            <a:pPr marL="457200" indent="-457200">
+              <a:buFont typeface="Arial" panose="020B0604020202020204" pitchFamily="34" charset="0"/>
+              <a:buChar char="•"/>
+            </a:pPr>
+            <a:endParaRPr lang="fr-BE" dirty="0"/>
+          </a:p>
+          <a:p>
+            <a:pPr marL="457200" indent="-457200">
+              <a:buFont typeface="Arial" panose="020B0604020202020204" pitchFamily="34" charset="0"/>
+              <a:buChar char="•"/>
+            </a:pPr>
+            <a:endParaRPr lang="fr-BE" dirty="0"/>
+          </a:p>
+          <a:p>
+            <a:pPr marL="457200" indent="-457200">
+              <a:buFont typeface="Arial" panose="020B0604020202020204" pitchFamily="34" charset="0"/>
+              <a:buChar char="•"/>
+            </a:pPr>
+            <a:endParaRPr lang="fr-BE" dirty="0"/>
+          </a:p>
+          <a:p>
+            <a:pPr marL="457200" indent="-457200">
+              <a:buFont typeface="Arial" panose="020B0604020202020204" pitchFamily="34" charset="0"/>
+              <a:buChar char="•"/>
+            </a:pPr>
+            <a:endParaRPr lang="fr-BE" dirty="0"/>
+          </a:p>
+          <a:p>
+            <a:pPr marL="457200" indent="-457200">
+              <a:buFont typeface="Arial" panose="020B0604020202020204" pitchFamily="34" charset="0"/>
+              <a:buChar char="•"/>
+            </a:pPr>
+            <a:endParaRPr lang="fr-BE" dirty="0"/>
+          </a:p>
+          <a:p>
+            <a:endParaRPr lang="fr-BE" dirty="0"/>
+          </a:p>
+          <a:p>
+            <a:endParaRPr lang="fr-FR" altLang="fr-FR" u="sng" dirty="0">
+              <a:ea typeface="ＭＳ Ｐゴシック" panose="020B0600070205080204" pitchFamily="34" charset="-128"/>
+            </a:endParaRPr>
           </a:p>
           <a:p>
             <a:pPr eaLnBrk="1" hangingPunct="1"/>
@@ -7848,10 +8011,39 @@
           </a:p>
         </p:txBody>
       </p:sp>
+      <p:pic>
+        <p:nvPicPr>
+          <p:cNvPr id="5" name="Image 4">
+            <a:extLst>
+              <a:ext uri="{FF2B5EF4-FFF2-40B4-BE49-F238E27FC236}">
+                <a16:creationId xmlns:a16="http://schemas.microsoft.com/office/drawing/2014/main" id="{32CB39E5-1BCC-4CCB-8092-4F7292D3EFD3}"/>
+              </a:ext>
+            </a:extLst>
+          </p:cNvPr>
+          <p:cNvPicPr>
+            <a:picLocks noChangeAspect="1"/>
+          </p:cNvPicPr>
+          <p:nvPr/>
+        </p:nvPicPr>
+        <p:blipFill>
+          <a:blip r:embed="rId2"/>
+          <a:srcRect/>
+          <a:stretch/>
+        </p:blipFill>
+        <p:spPr>
+          <a:xfrm>
+            <a:off x="2176150" y="2499437"/>
+            <a:ext cx="4791699" cy="3701401"/>
+          </a:xfrm>
+          <a:prstGeom prst="rect">
+            <a:avLst/>
+          </a:prstGeom>
+        </p:spPr>
+      </p:pic>
     </p:spTree>
     <p:extLst>
       <p:ext uri="{BB962C8B-B14F-4D97-AF65-F5344CB8AC3E}">
-        <p14:creationId xmlns:p14="http://schemas.microsoft.com/office/powerpoint/2010/main" val="2418105262"/>
+        <p14:creationId xmlns:p14="http://schemas.microsoft.com/office/powerpoint/2010/main" val="2955375922"/>
       </p:ext>
     </p:extLst>
   </p:cSld>
@@ -7945,8 +8137,8 @@
         </p:nvSpPr>
         <p:spPr>
           <a:xfrm>
-            <a:off x="457200" y="1166018"/>
-            <a:ext cx="8229600" cy="5215928"/>
+            <a:off x="457200" y="1056430"/>
+            <a:ext cx="8229600" cy="2944069"/>
           </a:xfrm>
         </p:spPr>
         <p:txBody>
@@ -7957,19 +8149,43 @@
           </a:bodyPr>
           <a:lstStyle/>
           <a:p>
-            <a:pPr eaLnBrk="1" hangingPunct="1"/>
-            <a:r>
-              <a:rPr lang="fr-FR" altLang="fr-FR" u="sng" dirty="0" err="1">
+            <a:r>
+              <a:rPr lang="fr-FR" altLang="fr-FR" b="1" u="sng" dirty="0" err="1">
                 <a:ea typeface="ＭＳ Ｐゴシック" panose="020B0600070205080204" pitchFamily="34" charset="-128"/>
               </a:rPr>
-              <a:t>Monitorability</a:t>
-            </a:r>
-            <a:r>
-              <a:rPr lang="fr-FR" altLang="fr-FR" u="sng" dirty="0">
+              <a:t>Reliability</a:t>
+            </a:r>
+            <a:r>
+              <a:rPr lang="fr-FR" altLang="fr-FR" b="1" u="sng" dirty="0">
                 <a:ea typeface="ＭＳ Ｐゴシック" panose="020B0600070205080204" pitchFamily="34" charset="-128"/>
               </a:rPr>
               <a:t> :</a:t>
             </a:r>
+            <a:r>
+              <a:rPr lang="fr-FR" altLang="fr-FR" dirty="0">
+                <a:ea typeface="ＭＳ Ｐゴシック" panose="020B0600070205080204" pitchFamily="34" charset="-128"/>
+              </a:rPr>
+              <a:t> </a:t>
+            </a:r>
+            <a:r>
+              <a:rPr lang="en-US" altLang="fr-FR" dirty="0">
+                <a:ea typeface="ＭＳ Ｐゴシック" panose="020B0600070205080204" pitchFamily="34" charset="-128"/>
+              </a:rPr>
+              <a:t>”</a:t>
+            </a:r>
+            <a:r>
+              <a:rPr lang="en-US" dirty="0"/>
+              <a:t>An IoT solution should be fault tolerant and as much the hardware and the applications must me robust.</a:t>
+            </a:r>
+            <a:r>
+              <a:rPr lang="en-US" altLang="fr-FR" dirty="0">
+                <a:ea typeface="ＭＳ Ｐゴシック" panose="020B0600070205080204" pitchFamily="34" charset="-128"/>
+              </a:rPr>
+              <a:t>”</a:t>
+            </a:r>
+            <a:endParaRPr lang="fr-FR" altLang="fr-FR" u="sng" dirty="0">
+              <a:ea typeface="ＭＳ Ｐゴシック" panose="020B0600070205080204" pitchFamily="34" charset="-128"/>
+            </a:endParaRPr>
           </a:p>
           <a:p>
             <a:pPr eaLnBrk="1" hangingPunct="1"/>
@@ -8028,10 +8244,53 @@
           </a:p>
         </p:txBody>
       </p:sp>
+      <p:pic>
+        <p:nvPicPr>
+          <p:cNvPr id="5" name="Image 4">
+            <a:extLst>
+              <a:ext uri="{FF2B5EF4-FFF2-40B4-BE49-F238E27FC236}">
+                <a16:creationId xmlns:a16="http://schemas.microsoft.com/office/drawing/2014/main" id="{0775E2B9-0FAD-4743-AF9F-EA0D95F98259}"/>
+              </a:ext>
+            </a:extLst>
+          </p:cNvPr>
+          <p:cNvPicPr>
+            <a:picLocks noChangeAspect="1"/>
+          </p:cNvPicPr>
+          <p:nvPr/>
+        </p:nvPicPr>
+        <p:blipFill rotWithShape="1">
+          <a:blip r:embed="rId2"/>
+          <a:srcRect b="18.255%"/>
+          <a:stretch/>
+        </p:blipFill>
+        <p:spPr>
+          <a:xfrm>
+            <a:off x="617455" y="2441542"/>
+            <a:ext cx="8229599" cy="3848226"/>
+          </a:xfrm>
+          <a:prstGeom prst="rect">
+            <a:avLst/>
+          </a:prstGeom>
+        </p:spPr>
+        <p:style>
+          <a:lnRef idx="2">
+            <a:schemeClr val="dk1"/>
+          </a:lnRef>
+          <a:fillRef idx="1">
+            <a:schemeClr val="lt1"/>
+          </a:fillRef>
+          <a:effectRef idx="0">
+            <a:schemeClr val="dk1"/>
+          </a:effectRef>
+          <a:fontRef idx="minor">
+            <a:schemeClr val="dk1"/>
+          </a:fontRef>
+        </p:style>
+      </p:pic>
     </p:spTree>
     <p:extLst>
       <p:ext uri="{BB962C8B-B14F-4D97-AF65-F5344CB8AC3E}">
-        <p14:creationId xmlns:p14="http://schemas.microsoft.com/office/powerpoint/2010/main" val="4042908257"/>
+        <p14:creationId xmlns:p14="http://schemas.microsoft.com/office/powerpoint/2010/main" val="2418105262"/>
       </p:ext>
     </p:extLst>
   </p:cSld>
@@ -8139,13 +8398,13 @@
           <a:p>
             <a:pPr eaLnBrk="1" hangingPunct="1"/>
             <a:r>
-              <a:rPr lang="fr-FR" altLang="fr-FR" u="sng" dirty="0" err="1">
+              <a:rPr lang="fr-FR" altLang="fr-FR" b="1" u="sng" dirty="0" err="1">
                 <a:ea typeface="ＭＳ Ｐゴシック" panose="020B0600070205080204" pitchFamily="34" charset="-128"/>
               </a:rPr>
-              <a:t>Extensibility</a:t>
-            </a:r>
-            <a:r>
-              <a:rPr lang="fr-FR" altLang="fr-FR" u="sng" dirty="0">
+              <a:t>Monitorability</a:t>
+            </a:r>
+            <a:r>
+              <a:rPr lang="fr-FR" altLang="fr-FR" b="1" u="sng" dirty="0">
                 <a:ea typeface="ＭＳ Ｐゴシック" panose="020B0600070205080204" pitchFamily="34" charset="-128"/>
               </a:rPr>
               <a:t> :</a:t>
@@ -8208,6 +8467,258 @@
           </a:p>
         </p:txBody>
       </p:sp>
+      <p:pic>
+        <p:nvPicPr>
+          <p:cNvPr id="5" name="Image 4" descr="Une image contenant capture d’écran&#10;&#10;Description générée automatiquement">
+            <a:extLst>
+              <a:ext uri="{FF2B5EF4-FFF2-40B4-BE49-F238E27FC236}">
+                <a16:creationId xmlns:a16="http://schemas.microsoft.com/office/drawing/2014/main" id="{20C36B86-1E1F-4467-AC68-5B9BEE7489EE}"/>
+              </a:ext>
+            </a:extLst>
+          </p:cNvPr>
+          <p:cNvPicPr>
+            <a:picLocks noChangeAspect="1"/>
+          </p:cNvPicPr>
+          <p:nvPr/>
+        </p:nvPicPr>
+        <p:blipFill>
+          <a:blip r:embed="rId2"/>
+          <a:stretch>
+            <a:fillRect/>
+          </a:stretch>
+        </p:blipFill>
+        <p:spPr>
+          <a:xfrm>
+            <a:off x="876693" y="1796806"/>
+            <a:ext cx="7503637" cy="4685848"/>
+          </a:xfrm>
+          <a:prstGeom prst="rect">
+            <a:avLst/>
+          </a:prstGeom>
+        </p:spPr>
+      </p:pic>
+    </p:spTree>
+    <p:extLst>
+      <p:ext uri="{BB962C8B-B14F-4D97-AF65-F5344CB8AC3E}">
+        <p14:creationId xmlns:p14="http://schemas.microsoft.com/office/powerpoint/2010/main" val="4042908257"/>
+      </p:ext>
+    </p:extLst>
+  </p:cSld>
+  <p:clrMapOvr>
+    <a:masterClrMapping/>
+  </p:clrMapOvr>
+</p:sld>
+</file>
+
+<file path=ppt/slides/slide23.xml><?xml version="1.0" encoding="utf-8"?>
+<p:sld xmlns:a="http://purl.oclc.org/ooxml/drawingml/main" xmlns:r="http://purl.oclc.org/ooxml/officeDocument/relationships" xmlns:p="http://purl.oclc.org/ooxml/presentationml/main">
+  <p:cSld>
+    <p:spTree>
+      <p:nvGrpSpPr>
+        <p:cNvPr id="1" name=""/>
+        <p:cNvGrpSpPr/>
+        <p:nvPr/>
+      </p:nvGrpSpPr>
+      <p:grpSpPr>
+        <a:xfrm>
+          <a:off x="0" y="0"/>
+          <a:ext cx="0" cy="0"/>
+          <a:chOff x="0" y="0"/>
+          <a:chExt cx="0" cy="0"/>
+        </a:xfrm>
+      </p:grpSpPr>
+      <p:sp>
+        <p:nvSpPr>
+          <p:cNvPr id="9218" name="Titre 1"/>
+          <p:cNvSpPr>
+            <a:spLocks noGrp="1"/>
+          </p:cNvSpPr>
+          <p:nvPr>
+            <p:ph type="title"/>
+          </p:nvPr>
+        </p:nvSpPr>
+        <p:spPr bwMode="auto">
+          <a:noFill/>
+          <a:extLst>
+            <a:ext uri="{909E8E84-426E-40DD-AFC4-6F175D3DCCD1}">
+              <a14:hiddenFill xmlns:a14="http://schemas.microsoft.com/office/drawing/2010/main">
+                <a:solidFill>
+                  <a:srgbClr val="FFFFFF"/>
+                </a:solidFill>
+              </a14:hiddenFill>
+            </a:ext>
+            <a:ext uri="{91240B29-F687-4F45-9708-019B960494DF}">
+              <a14:hiddenLine xmlns:a14="http://schemas.microsoft.com/office/drawing/2010/main" w="9525">
+                <a:solidFill>
+                  <a:srgbClr val="000000"/>
+                </a:solidFill>
+                <a:miter lim="800%"/>
+                <a:headEnd/>
+                <a:tailEnd/>
+              </a14:hiddenLine>
+            </a:ext>
+          </a:extLst>
+        </p:spPr>
+        <p:txBody>
+          <a:bodyPr vert="horz" wrap="square" lIns="91440" tIns="45720" rIns="91440" bIns="45720" numCol="1" anchor="t" anchorCtr="0" compatLnSpc="1">
+            <a:prstTxWarp prst="textNoShape">
+              <a:avLst/>
+            </a:prstTxWarp>
+          </a:bodyPr>
+          <a:lstStyle/>
+          <a:p>
+            <a:pPr algn="ctr" eaLnBrk="1" hangingPunct="1"/>
+            <a:r>
+              <a:rPr lang="fr-FR" sz="3600" dirty="0" err="1">
+                <a:latin typeface="Verdana" charset="0"/>
+                <a:cs typeface="Verdana" charset="0"/>
+              </a:rPr>
+              <a:t>Problematisation</a:t>
+            </a:r>
+            <a:endParaRPr lang="fr-FR" altLang="fr-FR" sz="3600" dirty="0">
+              <a:latin typeface="Verdana" panose="020B0604030504040204" pitchFamily="34" charset="0"/>
+              <a:ea typeface="ＭＳ Ｐゴシック" panose="020B0600070205080204" pitchFamily="34" charset="-128"/>
+            </a:endParaRPr>
+          </a:p>
+        </p:txBody>
+      </p:sp>
+      <p:sp>
+        <p:nvSpPr>
+          <p:cNvPr id="3" name="Espace réservé du contenu 2"/>
+          <p:cNvSpPr>
+            <a:spLocks noGrp="1"/>
+          </p:cNvSpPr>
+          <p:nvPr>
+            <p:ph idx="1"/>
+          </p:nvPr>
+        </p:nvSpPr>
+        <p:spPr>
+          <a:xfrm>
+            <a:off x="457200" y="1166018"/>
+            <a:ext cx="8229600" cy="5215928"/>
+          </a:xfrm>
+        </p:spPr>
+        <p:txBody>
+          <a:bodyPr vert="horz" wrap="square" lIns="91440" tIns="45720" rIns="91440" bIns="45720" numCol="1" anchor="t" anchorCtr="0" compatLnSpc="1">
+            <a:prstTxWarp prst="textNoShape">
+              <a:avLst/>
+            </a:prstTxWarp>
+          </a:bodyPr>
+          <a:lstStyle/>
+          <a:p>
+            <a:pPr eaLnBrk="1" hangingPunct="1"/>
+            <a:r>
+              <a:rPr lang="fr-FR" altLang="fr-FR" b="1" u="sng" dirty="0" err="1">
+                <a:ea typeface="ＭＳ Ｐゴシック" panose="020B0600070205080204" pitchFamily="34" charset="-128"/>
+              </a:rPr>
+              <a:t>Extensibility</a:t>
+            </a:r>
+            <a:r>
+              <a:rPr lang="fr-FR" altLang="fr-FR" b="1" u="sng" dirty="0">
+                <a:ea typeface="ＭＳ Ｐゴシック" panose="020B0600070205080204" pitchFamily="34" charset="-128"/>
+              </a:rPr>
+              <a:t> :</a:t>
+            </a:r>
+          </a:p>
+          <a:p>
+            <a:pPr eaLnBrk="1" hangingPunct="1"/>
+            <a:endParaRPr lang="fr-FR" altLang="fr-FR" b="1" u="sng" dirty="0">
+              <a:ea typeface="ＭＳ Ｐゴシック" panose="020B0600070205080204" pitchFamily="34" charset="-128"/>
+            </a:endParaRPr>
+          </a:p>
+          <a:p>
+            <a:pPr eaLnBrk="1" hangingPunct="1"/>
+            <a:endParaRPr lang="fr-FR" altLang="fr-FR" b="1" u="sng" dirty="0">
+              <a:ea typeface="ＭＳ Ｐゴシック" panose="020B0600070205080204" pitchFamily="34" charset="-128"/>
+            </a:endParaRPr>
+          </a:p>
+          <a:p>
+            <a:pPr eaLnBrk="1" hangingPunct="1"/>
+            <a:endParaRPr lang="fr-FR" altLang="fr-FR" u="sng" dirty="0">
+              <a:ea typeface="ＭＳ Ｐゴシック" panose="020B0600070205080204" pitchFamily="34" charset="-128"/>
+            </a:endParaRPr>
+          </a:p>
+          <a:p>
+            <a:pPr eaLnBrk="1" hangingPunct="1">
+              <a:buFont typeface="Arial" panose="020B0604020202020204" pitchFamily="34" charset="0"/>
+              <a:buNone/>
+            </a:pPr>
+            <a:endParaRPr lang="fr-FR" altLang="fr-FR" u="sng" dirty="0">
+              <a:ea typeface="ＭＳ Ｐゴシック" panose="020B0600070205080204" pitchFamily="34" charset="-128"/>
+            </a:endParaRPr>
+          </a:p>
+        </p:txBody>
+      </p:sp>
+      <p:sp>
+        <p:nvSpPr>
+          <p:cNvPr id="2" name="Espace réservé du numéro de diapositive 1">
+            <a:extLst>
+              <a:ext uri="{FF2B5EF4-FFF2-40B4-BE49-F238E27FC236}">
+                <a16:creationId xmlns:a16="http://schemas.microsoft.com/office/drawing/2014/main" id="{DCD75088-0863-48E7-808D-55EE80351927}"/>
+              </a:ext>
+            </a:extLst>
+          </p:cNvPr>
+          <p:cNvSpPr>
+            <a:spLocks noGrp="1"/>
+          </p:cNvSpPr>
+          <p:nvPr>
+            <p:ph type="sldNum" sz="quarter" idx="10"/>
+          </p:nvPr>
+        </p:nvSpPr>
+        <p:spPr>
+          <a:xfrm>
+            <a:off x="7010400" y="6583362"/>
+            <a:ext cx="2133600" cy="365125"/>
+          </a:xfrm>
+        </p:spPr>
+        <p:txBody>
+          <a:bodyPr/>
+          <a:lstStyle/>
+          <a:p>
+            <a:pPr>
+              <a:defRPr/>
+            </a:pPr>
+            <a:r>
+              <a:rPr lang="en-US" dirty="0">
+                <a:solidFill>
+                  <a:schemeClr val="bg1"/>
+                </a:solidFill>
+              </a:rPr>
+              <a:t>18</a:t>
+            </a:r>
+          </a:p>
+        </p:txBody>
+      </p:sp>
+      <p:pic>
+        <p:nvPicPr>
+          <p:cNvPr id="7" name="Image 6" descr="Une image contenant roue, transport&#10;&#10;Description générée automatiquement">
+            <a:extLst>
+              <a:ext uri="{FF2B5EF4-FFF2-40B4-BE49-F238E27FC236}">
+                <a16:creationId xmlns:a16="http://schemas.microsoft.com/office/drawing/2014/main" id="{27A5889D-4379-48CB-BFD9-3C191466F7D2}"/>
+              </a:ext>
+            </a:extLst>
+          </p:cNvPr>
+          <p:cNvPicPr>
+            <a:picLocks noChangeAspect="1"/>
+          </p:cNvPicPr>
+          <p:nvPr/>
+        </p:nvPicPr>
+        <p:blipFill>
+          <a:blip r:embed="rId2"/>
+          <a:stretch>
+            <a:fillRect/>
+          </a:stretch>
+        </p:blipFill>
+        <p:spPr>
+          <a:xfrm>
+            <a:off x="1780168" y="1752544"/>
+            <a:ext cx="5583664" cy="4730110"/>
+          </a:xfrm>
+          <a:prstGeom prst="rect">
+            <a:avLst/>
+          </a:prstGeom>
+        </p:spPr>
+      </p:pic>
     </p:spTree>
     <p:extLst>
       <p:ext uri="{BB962C8B-B14F-4D97-AF65-F5344CB8AC3E}">
@@ -8221,7 +8732,7 @@
 </p:sld>
 </file>
 
-<file path=ppt/slides/slide23.xml><?xml version="1.0" encoding="utf-8"?>
+<file path=ppt/slides/slide24.xml><?xml version="1.0" encoding="utf-8"?>
 <p:sld xmlns:a="http://purl.oclc.org/ooxml/drawingml/main" xmlns:r="http://purl.oclc.org/ooxml/officeDocument/relationships" xmlns:p="http://purl.oclc.org/ooxml/presentationml/main">
   <p:cSld>
     <p:spTree>
@@ -8262,14 +8773,14 @@
           <a:noFill/>
           <a:extLst>
             <a:ext uri="{909E8E84-426E-40dd-AFC4-6F175D3DCCD1}">
-              <a14:hiddenFill xmlns:a14="http://schemas.microsoft.com/office/drawing/2010/main" xmlns:p="http://schemas.openxmlformats.org/presentationml/2006/main" xmlns:r="http://schemas.openxmlformats.org/officeDocument/2006/relationships" xmlns:a="http://schemas.openxmlformats.org/drawingml/2006/main" xmlns="">
+              <a14:hiddenFill xmlns="" xmlns:a="http://schemas.openxmlformats.org/drawingml/2006/main" xmlns:r="http://schemas.openxmlformats.org/officeDocument/2006/relationships" xmlns:p="http://schemas.openxmlformats.org/presentationml/2006/main" xmlns:a14="http://schemas.microsoft.com/office/drawing/2010/main">
                 <a:solidFill>
                   <a:srgbClr val="FFFFFF"/>
                 </a:solidFill>
               </a14:hiddenFill>
             </a:ext>
             <a:ext uri="{91240B29-F687-4f45-9708-019B960494DF}">
-              <a14:hiddenLine xmlns:a14="http://schemas.microsoft.com/office/drawing/2010/main" xmlns:p="http://schemas.openxmlformats.org/presentationml/2006/main" xmlns:r="http://schemas.openxmlformats.org/officeDocument/2006/relationships" xmlns:a="http://schemas.openxmlformats.org/drawingml/2006/main" xmlns="" w="9525">
+              <a14:hiddenLine xmlns="" xmlns:a="http://schemas.openxmlformats.org/drawingml/2006/main" xmlns:r="http://schemas.openxmlformats.org/officeDocument/2006/relationships" xmlns:p="http://schemas.openxmlformats.org/presentationml/2006/main" xmlns:a14="http://schemas.microsoft.com/office/drawing/2010/main" w="9525">
                 <a:solidFill>
                   <a:srgbClr val="000000"/>
                 </a:solidFill>
@@ -8279,7 +8790,7 @@
               </a14:hiddenLine>
             </a:ext>
             <a:ext uri="{FAA26D3D-D897-4be2-8F04-BA451C77F1D7}">
-              <ma14:placeholderFlag xmlns:ma14="http://schemas.microsoft.com/office/mac/drawingml/2011/main" xmlns:p="http://schemas.openxmlformats.org/presentationml/2006/main" xmlns:r="http://schemas.openxmlformats.org/officeDocument/2006/relationships" xmlns:a="http://schemas.openxmlformats.org/drawingml/2006/main" xmlns="" val="1"/>
+              <ma14:placeholderFlag xmlns="" xmlns:a="http://schemas.openxmlformats.org/drawingml/2006/main" xmlns:r="http://schemas.openxmlformats.org/officeDocument/2006/relationships" xmlns:p="http://schemas.openxmlformats.org/presentationml/2006/main" xmlns:ma14="http://schemas.microsoft.com/office/mac/drawingml/2011/main" val="1"/>
             </a:ext>
           </a:extLst>
         </p:spPr>
@@ -8324,7 +8835,7 @@
 </p:sld>
 </file>
 
-<file path=ppt/slides/slide24.xml><?xml version="1.0" encoding="utf-8"?>
+<file path=ppt/slides/slide25.xml><?xml version="1.0" encoding="utf-8"?>
 <p:sld xmlns:a="http://purl.oclc.org/ooxml/drawingml/main" xmlns:r="http://purl.oclc.org/ooxml/officeDocument/relationships" xmlns:p="http://purl.oclc.org/ooxml/presentationml/main">
   <p:cSld>
     <p:spTree>
@@ -8456,7 +8967,7 @@
                   <a:schemeClr val="bg1"/>
                 </a:solidFill>
               </a:rPr>
-              <a:t>18</a:t>
+              <a:t>19</a:t>
             </a:r>
           </a:p>
         </p:txBody>
@@ -8474,7 +8985,7 @@
 </p:sld>
 </file>
 
-<file path=ppt/slides/slide25.xml><?xml version="1.0" encoding="utf-8"?>
+<file path=ppt/slides/slide26.xml><?xml version="1.0" encoding="utf-8"?>
 <p:sld xmlns:a="http://purl.oclc.org/ooxml/drawingml/main" xmlns:r="http://purl.oclc.org/ooxml/officeDocument/relationships" xmlns:p="http://purl.oclc.org/ooxml/presentationml/main">
   <p:cSld>
     <p:spTree>
@@ -8515,14 +9026,14 @@
           <a:noFill/>
           <a:extLst>
             <a:ext uri="{909E8E84-426E-40dd-AFC4-6F175D3DCCD1}">
-              <a14:hiddenFill xmlns:a14="http://schemas.microsoft.com/office/drawing/2010/main" xmlns:p="http://schemas.openxmlformats.org/presentationml/2006/main" xmlns:r="http://schemas.openxmlformats.org/officeDocument/2006/relationships" xmlns:a="http://schemas.openxmlformats.org/drawingml/2006/main" xmlns="">
+              <a14:hiddenFill xmlns="" xmlns:a="http://schemas.openxmlformats.org/drawingml/2006/main" xmlns:r="http://schemas.openxmlformats.org/officeDocument/2006/relationships" xmlns:p="http://schemas.openxmlformats.org/presentationml/2006/main" xmlns:a14="http://schemas.microsoft.com/office/drawing/2010/main">
                 <a:solidFill>
                   <a:srgbClr val="FFFFFF"/>
                 </a:solidFill>
               </a14:hiddenFill>
             </a:ext>
             <a:ext uri="{91240B29-F687-4f45-9708-019B960494DF}">
-              <a14:hiddenLine xmlns:a14="http://schemas.microsoft.com/office/drawing/2010/main" xmlns:p="http://schemas.openxmlformats.org/presentationml/2006/main" xmlns:r="http://schemas.openxmlformats.org/officeDocument/2006/relationships" xmlns:a="http://schemas.openxmlformats.org/drawingml/2006/main" xmlns="" w="9525">
+              <a14:hiddenLine xmlns="" xmlns:a="http://schemas.openxmlformats.org/drawingml/2006/main" xmlns:r="http://schemas.openxmlformats.org/officeDocument/2006/relationships" xmlns:p="http://schemas.openxmlformats.org/presentationml/2006/main" xmlns:a14="http://schemas.microsoft.com/office/drawing/2010/main" w="9525">
                 <a:solidFill>
                   <a:srgbClr val="000000"/>
                 </a:solidFill>
@@ -8532,7 +9043,7 @@
               </a14:hiddenLine>
             </a:ext>
             <a:ext uri="{FAA26D3D-D897-4be2-8F04-BA451C77F1D7}">
-              <ma14:placeholderFlag xmlns:ma14="http://schemas.microsoft.com/office/mac/drawingml/2011/main" xmlns:p="http://schemas.openxmlformats.org/presentationml/2006/main" xmlns:r="http://schemas.openxmlformats.org/officeDocument/2006/relationships" xmlns:a="http://schemas.openxmlformats.org/drawingml/2006/main" xmlns="" val="1"/>
+              <ma14:placeholderFlag xmlns="" xmlns:a="http://schemas.openxmlformats.org/drawingml/2006/main" xmlns:r="http://schemas.openxmlformats.org/officeDocument/2006/relationships" xmlns:p="http://schemas.openxmlformats.org/presentationml/2006/main" xmlns:ma14="http://schemas.microsoft.com/office/mac/drawingml/2011/main" val="1"/>
             </a:ext>
           </a:extLst>
         </p:spPr>
@@ -8577,7 +9088,7 @@
 </p:sld>
 </file>
 
-<file path=ppt/slides/slide26.xml><?xml version="1.0" encoding="utf-8"?>
+<file path=ppt/slides/slide27.xml><?xml version="1.0" encoding="utf-8"?>
 <p:sld xmlns:a="http://purl.oclc.org/ooxml/drawingml/main" xmlns:r="http://purl.oclc.org/ooxml/officeDocument/relationships" xmlns:p="http://purl.oclc.org/ooxml/presentationml/main">
   <p:cSld>
     <p:spTree>
@@ -8709,7 +9220,7 @@
                   <a:schemeClr val="bg1"/>
                 </a:solidFill>
               </a:rPr>
-              <a:t>19</a:t>
+              <a:t>20</a:t>
             </a:r>
           </a:p>
         </p:txBody>
@@ -8768,14 +9279,14 @@
           <a:noFill/>
           <a:extLst>
             <a:ext uri="{909E8E84-426E-40dd-AFC4-6F175D3DCCD1}">
-              <a14:hiddenFill xmlns:a14="http://schemas.microsoft.com/office/drawing/2010/main" xmlns:p="http://schemas.openxmlformats.org/presentationml/2006/main" xmlns:r="http://schemas.openxmlformats.org/officeDocument/2006/relationships" xmlns:a="http://schemas.openxmlformats.org/drawingml/2006/main" xmlns="">
+              <a14:hiddenFill xmlns="" xmlns:a="http://schemas.openxmlformats.org/drawingml/2006/main" xmlns:r="http://schemas.openxmlformats.org/officeDocument/2006/relationships" xmlns:p="http://schemas.openxmlformats.org/presentationml/2006/main" xmlns:a14="http://schemas.microsoft.com/office/drawing/2010/main">
                 <a:solidFill>
                   <a:srgbClr val="FFFFFF"/>
                 </a:solidFill>
               </a14:hiddenFill>
             </a:ext>
             <a:ext uri="{91240B29-F687-4f45-9708-019B960494DF}">
-              <a14:hiddenLine xmlns:a14="http://schemas.microsoft.com/office/drawing/2010/main" xmlns:p="http://schemas.openxmlformats.org/presentationml/2006/main" xmlns:r="http://schemas.openxmlformats.org/officeDocument/2006/relationships" xmlns:a="http://schemas.openxmlformats.org/drawingml/2006/main" xmlns="" w="9525">
+              <a14:hiddenLine xmlns="" xmlns:a="http://schemas.openxmlformats.org/drawingml/2006/main" xmlns:r="http://schemas.openxmlformats.org/officeDocument/2006/relationships" xmlns:p="http://schemas.openxmlformats.org/presentationml/2006/main" xmlns:a14="http://schemas.microsoft.com/office/drawing/2010/main" w="9525">
                 <a:solidFill>
                   <a:srgbClr val="000000"/>
                 </a:solidFill>
@@ -8785,7 +9296,7 @@
               </a14:hiddenLine>
             </a:ext>
             <a:ext uri="{FAA26D3D-D897-4be2-8F04-BA451C77F1D7}">
-              <ma14:placeholderFlag xmlns:ma14="http://schemas.microsoft.com/office/mac/drawingml/2011/main" xmlns:p="http://schemas.openxmlformats.org/presentationml/2006/main" xmlns:r="http://schemas.openxmlformats.org/officeDocument/2006/relationships" xmlns:a="http://schemas.openxmlformats.org/drawingml/2006/main" xmlns="" val="1"/>
+              <ma14:placeholderFlag xmlns="" xmlns:a="http://schemas.openxmlformats.org/drawingml/2006/main" xmlns:r="http://schemas.openxmlformats.org/officeDocument/2006/relationships" xmlns:p="http://schemas.openxmlformats.org/presentationml/2006/main" xmlns:ma14="http://schemas.microsoft.com/office/mac/drawingml/2011/main" val="1"/>
             </a:ext>
           </a:extLst>
         </p:spPr>
@@ -9507,14 +10018,14 @@
           <a:noFill/>
           <a:extLst>
             <a:ext uri="{909E8E84-426E-40dd-AFC4-6F175D3DCCD1}">
-              <a14:hiddenFill xmlns:a14="http://schemas.microsoft.com/office/drawing/2010/main" xmlns:p="http://schemas.openxmlformats.org/presentationml/2006/main" xmlns:r="http://schemas.openxmlformats.org/officeDocument/2006/relationships" xmlns:a="http://schemas.openxmlformats.org/drawingml/2006/main" xmlns="">
+              <a14:hiddenFill xmlns="" xmlns:a="http://schemas.openxmlformats.org/drawingml/2006/main" xmlns:r="http://schemas.openxmlformats.org/officeDocument/2006/relationships" xmlns:p="http://schemas.openxmlformats.org/presentationml/2006/main" xmlns:a14="http://schemas.microsoft.com/office/drawing/2010/main">
                 <a:solidFill>
                   <a:srgbClr val="FFFFFF"/>
                 </a:solidFill>
               </a14:hiddenFill>
             </a:ext>
             <a:ext uri="{91240B29-F687-4f45-9708-019B960494DF}">
-              <a14:hiddenLine xmlns:a14="http://schemas.microsoft.com/office/drawing/2010/main" xmlns:p="http://schemas.openxmlformats.org/presentationml/2006/main" xmlns:r="http://schemas.openxmlformats.org/officeDocument/2006/relationships" xmlns:a="http://schemas.openxmlformats.org/drawingml/2006/main" xmlns="" w="9525">
+              <a14:hiddenLine xmlns="" xmlns:a="http://schemas.openxmlformats.org/drawingml/2006/main" xmlns:r="http://schemas.openxmlformats.org/officeDocument/2006/relationships" xmlns:p="http://schemas.openxmlformats.org/presentationml/2006/main" xmlns:a14="http://schemas.microsoft.com/office/drawing/2010/main" w="9525">
                 <a:solidFill>
                   <a:srgbClr val="000000"/>
                 </a:solidFill>
@@ -9524,7 +10035,7 @@
               </a14:hiddenLine>
             </a:ext>
             <a:ext uri="{FAA26D3D-D897-4be2-8F04-BA451C77F1D7}">
-              <ma14:placeholderFlag xmlns:ma14="http://schemas.microsoft.com/office/mac/drawingml/2011/main" xmlns:p="http://schemas.openxmlformats.org/presentationml/2006/main" xmlns:r="http://schemas.openxmlformats.org/officeDocument/2006/relationships" xmlns:a="http://schemas.openxmlformats.org/drawingml/2006/main" xmlns="" val="1"/>
+              <ma14:placeholderFlag xmlns="" xmlns:a="http://schemas.openxmlformats.org/drawingml/2006/main" xmlns:r="http://schemas.openxmlformats.org/officeDocument/2006/relationships" xmlns:p="http://schemas.openxmlformats.org/presentationml/2006/main" xmlns:ma14="http://schemas.microsoft.com/office/mac/drawingml/2011/main" val="1"/>
             </a:ext>
           </a:extLst>
         </p:spPr>

--- a/presentation/Complex Event Processing for Internet of Things.pptx
+++ b/presentation/Complex Event Processing for Internet of Things.pptx
@@ -3739,14 +3739,14 @@
           </a:ln>
           <a:extLst>
             <a:ext uri="{909E8E84-426E-40dd-AFC4-6F175D3DCCD1}">
-              <a14:hiddenFill xmlns="" xmlns:a="http://schemas.openxmlformats.org/drawingml/2006/main" xmlns:r="http://schemas.openxmlformats.org/officeDocument/2006/relationships" xmlns:p="http://schemas.openxmlformats.org/presentationml/2006/main" xmlns:a14="http://schemas.microsoft.com/office/drawing/2010/main">
+              <a14:hiddenFill xmlns:a14="http://schemas.microsoft.com/office/drawing/2010/main" xmlns:p="http://schemas.openxmlformats.org/presentationml/2006/main" xmlns:r="http://schemas.openxmlformats.org/officeDocument/2006/relationships" xmlns:a="http://schemas.openxmlformats.org/drawingml/2006/main" xmlns="">
                 <a:solidFill>
                   <a:srgbClr val="FFFFFF"/>
                 </a:solidFill>
               </a14:hiddenFill>
             </a:ext>
             <a:ext uri="{91240B29-F687-4f45-9708-019B960494DF}">
-              <a14:hiddenLine xmlns="" xmlns:a="http://schemas.openxmlformats.org/drawingml/2006/main" xmlns:r="http://schemas.openxmlformats.org/officeDocument/2006/relationships" xmlns:p="http://schemas.openxmlformats.org/presentationml/2006/main" xmlns:a14="http://schemas.microsoft.com/office/drawing/2010/main" w="9525">
+              <a14:hiddenLine xmlns:a14="http://schemas.microsoft.com/office/drawing/2010/main" xmlns:p="http://schemas.openxmlformats.org/presentationml/2006/main" xmlns:r="http://schemas.openxmlformats.org/officeDocument/2006/relationships" xmlns:a="http://schemas.openxmlformats.org/drawingml/2006/main" xmlns="" w="9525">
                 <a:solidFill>
                   <a:srgbClr val="000000"/>
                 </a:solidFill>
@@ -3983,14 +3983,14 @@
           </a:ln>
           <a:extLst>
             <a:ext uri="{909E8E84-426E-40dd-AFC4-6F175D3DCCD1}">
-              <a14:hiddenFill xmlns="" xmlns:a="http://schemas.openxmlformats.org/drawingml/2006/main" xmlns:r="http://schemas.openxmlformats.org/officeDocument/2006/relationships" xmlns:p="http://schemas.openxmlformats.org/presentationml/2006/main" xmlns:a14="http://schemas.microsoft.com/office/drawing/2010/main">
+              <a14:hiddenFill xmlns:a14="http://schemas.microsoft.com/office/drawing/2010/main" xmlns:p="http://schemas.openxmlformats.org/presentationml/2006/main" xmlns:r="http://schemas.openxmlformats.org/officeDocument/2006/relationships" xmlns:a="http://schemas.openxmlformats.org/drawingml/2006/main" xmlns="">
                 <a:solidFill>
                   <a:srgbClr val="FFFFFF"/>
                 </a:solidFill>
               </a14:hiddenFill>
             </a:ext>
             <a:ext uri="{91240B29-F687-4f45-9708-019B960494DF}">
-              <a14:hiddenLine xmlns="" xmlns:a="http://schemas.openxmlformats.org/drawingml/2006/main" xmlns:r="http://schemas.openxmlformats.org/officeDocument/2006/relationships" xmlns:p="http://schemas.openxmlformats.org/presentationml/2006/main" xmlns:a14="http://schemas.microsoft.com/office/drawing/2010/main" w="9525">
+              <a14:hiddenLine xmlns:a14="http://schemas.microsoft.com/office/drawing/2010/main" xmlns:p="http://schemas.openxmlformats.org/presentationml/2006/main" xmlns:r="http://schemas.openxmlformats.org/officeDocument/2006/relationships" xmlns:a="http://schemas.openxmlformats.org/drawingml/2006/main" xmlns="" w="9525">
                 <a:solidFill>
                   <a:srgbClr val="000000"/>
                 </a:solidFill>
@@ -5553,7 +5553,7 @@
         <p:spPr>
           <a:xfrm>
             <a:off x="457200" y="1054905"/>
-            <a:ext cx="8229600" cy="5318549"/>
+            <a:ext cx="8229600" cy="5525087"/>
           </a:xfrm>
           <a:prstGeom prst="rect">
             <a:avLst/>
@@ -5758,6 +5758,12 @@
               <a:t> </a:t>
             </a:r>
             <a:r>
+              <a:rPr lang="en-US" altLang="fr-FR" dirty="0">
+                <a:ea typeface="ＭＳ Ｐゴシック" panose="020B0600070205080204" pitchFamily="34" charset="-128"/>
+              </a:rPr>
+              <a:t>”</a:t>
+            </a:r>
+            <a:r>
               <a:rPr lang="en-US" dirty="0"/>
               <a:t>An Event Pattern Language (EPL) is a language used by CEP engines in order to describe the relations between events (Event Correlation) matching a specific pattern.</a:t>
             </a:r>
@@ -5769,6 +5775,11 @@
             </a:r>
           </a:p>
           <a:p>
+            <a:pPr>
+              <a:spcBef>
+                <a:spcPts val="0"/>
+              </a:spcBef>
+            </a:pPr>
             <a:endParaRPr lang="fr-FR" altLang="fr-FR" sz="2000" u="sng" dirty="0">
               <a:ea typeface="ＭＳ Ｐゴシック" panose="020B0600070205080204" pitchFamily="34" charset="-128"/>
             </a:endParaRPr>
@@ -5804,7 +5815,7 @@
             </a:pPr>
             <a:r>
               <a:rPr lang="en-US" sz="1800" b="1" dirty="0"/>
-              <a:t>Projection</a:t>
+              <a:t>Projection    =&gt; Extraction of attributes</a:t>
             </a:r>
           </a:p>
           <a:p>
@@ -5824,7 +5835,7 @@
             </a:pPr>
             <a:r>
               <a:rPr lang="en-US" sz="1800" b="1" dirty="0"/>
-              <a:t>Conjunction</a:t>
+              <a:t>Conjunction =&gt; ‘AND’</a:t>
             </a:r>
           </a:p>
           <a:p>
@@ -5834,7 +5845,7 @@
             </a:pPr>
             <a:r>
               <a:rPr lang="en-US" sz="1800" b="1" dirty="0"/>
-              <a:t>Disjunction</a:t>
+              <a:t>Disjunction   =&gt; ‘OR’</a:t>
             </a:r>
           </a:p>
           <a:p>
@@ -5844,7 +5855,7 @@
             </a:pPr>
             <a:r>
               <a:rPr lang="en-US" sz="1800" b="1" dirty="0"/>
-              <a:t>Sequence</a:t>
+              <a:t>Sequence      =&gt; Ordering</a:t>
             </a:r>
           </a:p>
           <a:p>
@@ -5865,7 +5876,15 @@
             </a:pPr>
             <a:r>
               <a:rPr lang="en-US" sz="1800" b="1" dirty="0"/>
-              <a:t>Aggregation</a:t>
+              <a:t>Aggregation  =&gt; Specific operation on attributes (</a:t>
+            </a:r>
+            <a:r>
+              <a:rPr lang="en-US" sz="1800" b="1" dirty="0" err="1"/>
+              <a:t>e.g</a:t>
+            </a:r>
+            <a:r>
+              <a:rPr lang="en-US" sz="1800" b="1" dirty="0"/>
+              <a:t>: average) </a:t>
             </a:r>
           </a:p>
           <a:p>
@@ -5875,7 +5894,7 @@
             </a:pPr>
             <a:r>
               <a:rPr lang="en-US" sz="1800" b="1" dirty="0"/>
-              <a:t>Negation</a:t>
+              <a:t>Negation        =&gt; ‘NOT’</a:t>
             </a:r>
             <a:endParaRPr lang="en-US" altLang="fr-FR" sz="1800" dirty="0">
               <a:ea typeface="ＭＳ Ｐゴシック" panose="020B0600070205080204" pitchFamily="34" charset="-128"/>
@@ -6139,14 +6158,14 @@
           <a:noFill/>
           <a:extLst>
             <a:ext uri="{909E8E84-426E-40dd-AFC4-6F175D3DCCD1}">
-              <a14:hiddenFill xmlns="" xmlns:a="http://schemas.openxmlformats.org/drawingml/2006/main" xmlns:r="http://schemas.openxmlformats.org/officeDocument/2006/relationships" xmlns:p="http://schemas.openxmlformats.org/presentationml/2006/main" xmlns:a14="http://schemas.microsoft.com/office/drawing/2010/main">
+              <a14:hiddenFill xmlns:a14="http://schemas.microsoft.com/office/drawing/2010/main" xmlns:p="http://schemas.openxmlformats.org/presentationml/2006/main" xmlns:r="http://schemas.openxmlformats.org/officeDocument/2006/relationships" xmlns:a="http://schemas.openxmlformats.org/drawingml/2006/main" xmlns="">
                 <a:solidFill>
                   <a:srgbClr val="FFFFFF"/>
                 </a:solidFill>
               </a14:hiddenFill>
             </a:ext>
             <a:ext uri="{91240B29-F687-4f45-9708-019B960494DF}">
-              <a14:hiddenLine xmlns="" xmlns:a="http://schemas.openxmlformats.org/drawingml/2006/main" xmlns:r="http://schemas.openxmlformats.org/officeDocument/2006/relationships" xmlns:p="http://schemas.openxmlformats.org/presentationml/2006/main" xmlns:a14="http://schemas.microsoft.com/office/drawing/2010/main" w="9525">
+              <a14:hiddenLine xmlns:a14="http://schemas.microsoft.com/office/drawing/2010/main" xmlns:p="http://schemas.openxmlformats.org/presentationml/2006/main" xmlns:r="http://schemas.openxmlformats.org/officeDocument/2006/relationships" xmlns:a="http://schemas.openxmlformats.org/drawingml/2006/main" xmlns="" w="9525">
                 <a:solidFill>
                   <a:srgbClr val="000000"/>
                 </a:solidFill>
@@ -6156,7 +6175,7 @@
               </a14:hiddenLine>
             </a:ext>
             <a:ext uri="{FAA26D3D-D897-4be2-8F04-BA451C77F1D7}">
-              <ma14:placeholderFlag xmlns="" xmlns:a="http://schemas.openxmlformats.org/drawingml/2006/main" xmlns:r="http://schemas.openxmlformats.org/officeDocument/2006/relationships" xmlns:p="http://schemas.openxmlformats.org/presentationml/2006/main" xmlns:ma14="http://schemas.microsoft.com/office/mac/drawingml/2011/main" val="1"/>
+              <ma14:placeholderFlag xmlns:ma14="http://schemas.microsoft.com/office/mac/drawingml/2011/main" xmlns:p="http://schemas.openxmlformats.org/presentationml/2006/main" xmlns:r="http://schemas.openxmlformats.org/officeDocument/2006/relationships" xmlns:a="http://schemas.openxmlformats.org/drawingml/2006/main" xmlns="" val="1"/>
             </a:ext>
           </a:extLst>
         </p:spPr>
@@ -6957,14 +6976,14 @@
           <a:noFill/>
           <a:extLst>
             <a:ext uri="{909E8E84-426E-40dd-AFC4-6F175D3DCCD1}">
-              <a14:hiddenFill xmlns="" xmlns:a="http://schemas.openxmlformats.org/drawingml/2006/main" xmlns:r="http://schemas.openxmlformats.org/officeDocument/2006/relationships" xmlns:p="http://schemas.openxmlformats.org/presentationml/2006/main" xmlns:a14="http://schemas.microsoft.com/office/drawing/2010/main">
+              <a14:hiddenFill xmlns:a14="http://schemas.microsoft.com/office/drawing/2010/main" xmlns:p="http://schemas.openxmlformats.org/presentationml/2006/main" xmlns:r="http://schemas.openxmlformats.org/officeDocument/2006/relationships" xmlns:a="http://schemas.openxmlformats.org/drawingml/2006/main" xmlns="">
                 <a:solidFill>
                   <a:srgbClr val="FFFFFF"/>
                 </a:solidFill>
               </a14:hiddenFill>
             </a:ext>
             <a:ext uri="{91240B29-F687-4f45-9708-019B960494DF}">
-              <a14:hiddenLine xmlns="" xmlns:a="http://schemas.openxmlformats.org/drawingml/2006/main" xmlns:r="http://schemas.openxmlformats.org/officeDocument/2006/relationships" xmlns:p="http://schemas.openxmlformats.org/presentationml/2006/main" xmlns:a14="http://schemas.microsoft.com/office/drawing/2010/main" w="9525">
+              <a14:hiddenLine xmlns:a14="http://schemas.microsoft.com/office/drawing/2010/main" xmlns:p="http://schemas.openxmlformats.org/presentationml/2006/main" xmlns:r="http://schemas.openxmlformats.org/officeDocument/2006/relationships" xmlns:a="http://schemas.openxmlformats.org/drawingml/2006/main" xmlns="" w="9525">
                 <a:solidFill>
                   <a:srgbClr val="000000"/>
                 </a:solidFill>
@@ -6974,7 +6993,7 @@
               </a14:hiddenLine>
             </a:ext>
             <a:ext uri="{FAA26D3D-D897-4be2-8F04-BA451C77F1D7}">
-              <ma14:placeholderFlag xmlns="" xmlns:a="http://schemas.openxmlformats.org/drawingml/2006/main" xmlns:r="http://schemas.openxmlformats.org/officeDocument/2006/relationships" xmlns:p="http://schemas.openxmlformats.org/presentationml/2006/main" xmlns:ma14="http://schemas.microsoft.com/office/mac/drawingml/2011/main" val="1"/>
+              <ma14:placeholderFlag xmlns:ma14="http://schemas.microsoft.com/office/mac/drawingml/2011/main" xmlns:p="http://schemas.openxmlformats.org/presentationml/2006/main" xmlns:r="http://schemas.openxmlformats.org/officeDocument/2006/relationships" xmlns:a="http://schemas.openxmlformats.org/drawingml/2006/main" xmlns="" val="1"/>
             </a:ext>
           </a:extLst>
         </p:spPr>
@@ -7116,9 +7135,22 @@
           <a:lstStyle/>
           <a:p>
             <a:r>
+              <a:rPr lang="en-US" altLang="fr-FR" dirty="0">
+                <a:ea typeface="ＭＳ Ｐゴシック" panose="020B0600070205080204" pitchFamily="34" charset="-128"/>
+              </a:rPr>
+              <a:t>”</a:t>
+            </a:r>
+            <a:r>
               <a:rPr lang="en-US" dirty="0"/>
               <a:t>Which Internet of Things architecture is adapted for an evolving solution where the connected objects are growing day by day ? </a:t>
             </a:r>
+            <a:r>
+              <a:rPr lang="en-US" altLang="fr-FR" dirty="0">
+                <a:ea typeface="ＭＳ Ｐゴシック" panose="020B0600070205080204" pitchFamily="34" charset="-128"/>
+              </a:rPr>
+              <a:t>”</a:t>
+            </a:r>
+            <a:endParaRPr lang="en-US" dirty="0"/>
           </a:p>
           <a:p>
             <a:endParaRPr lang="fr-FR" altLang="fr-FR" u="sng" dirty="0">
@@ -7609,7 +7641,7 @@
                 <a:latin typeface="Verdana" panose="020B0604030504040204" pitchFamily="34" charset="0"/>
                 <a:ea typeface="ＭＳ Ｐゴシック" panose="020B0600070205080204" pitchFamily="34" charset="-128"/>
               </a:rPr>
-              <a:t>Content</a:t>
+              <a:t>Contents</a:t>
             </a:r>
           </a:p>
         </p:txBody>
@@ -8773,14 +8805,14 @@
           <a:noFill/>
           <a:extLst>
             <a:ext uri="{909E8E84-426E-40dd-AFC4-6F175D3DCCD1}">
-              <a14:hiddenFill xmlns="" xmlns:a="http://schemas.openxmlformats.org/drawingml/2006/main" xmlns:r="http://schemas.openxmlformats.org/officeDocument/2006/relationships" xmlns:p="http://schemas.openxmlformats.org/presentationml/2006/main" xmlns:a14="http://schemas.microsoft.com/office/drawing/2010/main">
+              <a14:hiddenFill xmlns:a14="http://schemas.microsoft.com/office/drawing/2010/main" xmlns:p="http://schemas.openxmlformats.org/presentationml/2006/main" xmlns:r="http://schemas.openxmlformats.org/officeDocument/2006/relationships" xmlns:a="http://schemas.openxmlformats.org/drawingml/2006/main" xmlns="">
                 <a:solidFill>
                   <a:srgbClr val="FFFFFF"/>
                 </a:solidFill>
               </a14:hiddenFill>
             </a:ext>
             <a:ext uri="{91240B29-F687-4f45-9708-019B960494DF}">
-              <a14:hiddenLine xmlns="" xmlns:a="http://schemas.openxmlformats.org/drawingml/2006/main" xmlns:r="http://schemas.openxmlformats.org/officeDocument/2006/relationships" xmlns:p="http://schemas.openxmlformats.org/presentationml/2006/main" xmlns:a14="http://schemas.microsoft.com/office/drawing/2010/main" w="9525">
+              <a14:hiddenLine xmlns:a14="http://schemas.microsoft.com/office/drawing/2010/main" xmlns:p="http://schemas.openxmlformats.org/presentationml/2006/main" xmlns:r="http://schemas.openxmlformats.org/officeDocument/2006/relationships" xmlns:a="http://schemas.openxmlformats.org/drawingml/2006/main" xmlns="" w="9525">
                 <a:solidFill>
                   <a:srgbClr val="000000"/>
                 </a:solidFill>
@@ -8790,7 +8822,7 @@
               </a14:hiddenLine>
             </a:ext>
             <a:ext uri="{FAA26D3D-D897-4be2-8F04-BA451C77F1D7}">
-              <ma14:placeholderFlag xmlns="" xmlns:a="http://schemas.openxmlformats.org/drawingml/2006/main" xmlns:r="http://schemas.openxmlformats.org/officeDocument/2006/relationships" xmlns:p="http://schemas.openxmlformats.org/presentationml/2006/main" xmlns:ma14="http://schemas.microsoft.com/office/mac/drawingml/2011/main" val="1"/>
+              <ma14:placeholderFlag xmlns:ma14="http://schemas.microsoft.com/office/mac/drawingml/2011/main" xmlns:p="http://schemas.openxmlformats.org/presentationml/2006/main" xmlns:r="http://schemas.openxmlformats.org/officeDocument/2006/relationships" xmlns:a="http://schemas.openxmlformats.org/drawingml/2006/main" xmlns="" val="1"/>
             </a:ext>
           </a:extLst>
         </p:spPr>
@@ -8903,35 +8935,35 @@
           </a:p>
         </p:txBody>
       </p:sp>
-      <p:sp>
-        <p:nvSpPr>
-          <p:cNvPr id="3" name="Espace réservé du contenu 2"/>
-          <p:cNvSpPr>
-            <a:spLocks noGrp="1"/>
-          </p:cNvSpPr>
+      <p:pic>
+        <p:nvPicPr>
+          <p:cNvPr id="5" name="Espace réservé du contenu 4" descr="Une image contenant texte&#10;&#10;Description générée automatiquement">
+            <a:extLst>
+              <a:ext uri="{FF2B5EF4-FFF2-40B4-BE49-F238E27FC236}">
+                <a16:creationId xmlns:a16="http://schemas.microsoft.com/office/drawing/2014/main" id="{2EC6A63A-33B2-49DE-B063-C44E970CA242}"/>
+              </a:ext>
+            </a:extLst>
+          </p:cNvPr>
+          <p:cNvPicPr>
+            <a:picLocks noGrp="1" noChangeAspect="1"/>
+          </p:cNvPicPr>
           <p:nvPr>
             <p:ph idx="1"/>
           </p:nvPr>
-        </p:nvSpPr>
-        <p:spPr/>
-        <p:txBody>
-          <a:bodyPr vert="horz" wrap="square" lIns="91440" tIns="45720" rIns="91440" bIns="45720" numCol="1" anchor="t" anchorCtr="0" compatLnSpc="1">
-            <a:prstTxWarp prst="textNoShape">
-              <a:avLst/>
-            </a:prstTxWarp>
-          </a:bodyPr>
-          <a:lstStyle/>
-          <a:p>
-            <a:pPr eaLnBrk="1" hangingPunct="1">
-              <a:buFont typeface="Arial" panose="020B0604020202020204" pitchFamily="34" charset="0"/>
-              <a:buNone/>
-            </a:pPr>
-            <a:endParaRPr lang="fr-FR" altLang="fr-FR" u="sng" dirty="0">
-              <a:ea typeface="ＭＳ Ｐゴシック" panose="020B0600070205080204" pitchFamily="34" charset="-128"/>
-            </a:endParaRPr>
-          </a:p>
-        </p:txBody>
-      </p:sp>
+        </p:nvPicPr>
+        <p:blipFill>
+          <a:blip r:embed="rId2"/>
+          <a:stretch>
+            <a:fillRect/>
+          </a:stretch>
+        </p:blipFill>
+        <p:spPr>
+          <a:xfrm>
+            <a:off x="274497" y="1140643"/>
+            <a:ext cx="8595006" cy="5156461"/>
+          </a:xfrm>
+        </p:spPr>
+      </p:pic>
       <p:sp>
         <p:nvSpPr>
           <p:cNvPr id="2" name="Espace réservé du numéro de diapositive 1">
@@ -9026,14 +9058,14 @@
           <a:noFill/>
           <a:extLst>
             <a:ext uri="{909E8E84-426E-40dd-AFC4-6F175D3DCCD1}">
-              <a14:hiddenFill xmlns="" xmlns:a="http://schemas.openxmlformats.org/drawingml/2006/main" xmlns:r="http://schemas.openxmlformats.org/officeDocument/2006/relationships" xmlns:p="http://schemas.openxmlformats.org/presentationml/2006/main" xmlns:a14="http://schemas.microsoft.com/office/drawing/2010/main">
+              <a14:hiddenFill xmlns:a14="http://schemas.microsoft.com/office/drawing/2010/main" xmlns:p="http://schemas.openxmlformats.org/presentationml/2006/main" xmlns:r="http://schemas.openxmlformats.org/officeDocument/2006/relationships" xmlns:a="http://schemas.openxmlformats.org/drawingml/2006/main" xmlns="">
                 <a:solidFill>
                   <a:srgbClr val="FFFFFF"/>
                 </a:solidFill>
               </a14:hiddenFill>
             </a:ext>
             <a:ext uri="{91240B29-F687-4f45-9708-019B960494DF}">
-              <a14:hiddenLine xmlns="" xmlns:a="http://schemas.openxmlformats.org/drawingml/2006/main" xmlns:r="http://schemas.openxmlformats.org/officeDocument/2006/relationships" xmlns:p="http://schemas.openxmlformats.org/presentationml/2006/main" xmlns:a14="http://schemas.microsoft.com/office/drawing/2010/main" w="9525">
+              <a14:hiddenLine xmlns:a14="http://schemas.microsoft.com/office/drawing/2010/main" xmlns:p="http://schemas.openxmlformats.org/presentationml/2006/main" xmlns:r="http://schemas.openxmlformats.org/officeDocument/2006/relationships" xmlns:a="http://schemas.openxmlformats.org/drawingml/2006/main" xmlns="" w="9525">
                 <a:solidFill>
                   <a:srgbClr val="000000"/>
                 </a:solidFill>
@@ -9043,7 +9075,7 @@
               </a14:hiddenLine>
             </a:ext>
             <a:ext uri="{FAA26D3D-D897-4be2-8F04-BA451C77F1D7}">
-              <ma14:placeholderFlag xmlns="" xmlns:a="http://schemas.openxmlformats.org/drawingml/2006/main" xmlns:r="http://schemas.openxmlformats.org/officeDocument/2006/relationships" xmlns:p="http://schemas.openxmlformats.org/presentationml/2006/main" xmlns:ma14="http://schemas.microsoft.com/office/mac/drawingml/2011/main" val="1"/>
+              <ma14:placeholderFlag xmlns:ma14="http://schemas.microsoft.com/office/mac/drawingml/2011/main" xmlns:p="http://schemas.openxmlformats.org/presentationml/2006/main" xmlns:r="http://schemas.openxmlformats.org/officeDocument/2006/relationships" xmlns:a="http://schemas.openxmlformats.org/drawingml/2006/main" xmlns="" val="1"/>
             </a:ext>
           </a:extLst>
         </p:spPr>
@@ -9279,14 +9311,14 @@
           <a:noFill/>
           <a:extLst>
             <a:ext uri="{909E8E84-426E-40dd-AFC4-6F175D3DCCD1}">
-              <a14:hiddenFill xmlns="" xmlns:a="http://schemas.openxmlformats.org/drawingml/2006/main" xmlns:r="http://schemas.openxmlformats.org/officeDocument/2006/relationships" xmlns:p="http://schemas.openxmlformats.org/presentationml/2006/main" xmlns:a14="http://schemas.microsoft.com/office/drawing/2010/main">
+              <a14:hiddenFill xmlns:a14="http://schemas.microsoft.com/office/drawing/2010/main" xmlns:p="http://schemas.openxmlformats.org/presentationml/2006/main" xmlns:r="http://schemas.openxmlformats.org/officeDocument/2006/relationships" xmlns:a="http://schemas.openxmlformats.org/drawingml/2006/main" xmlns="">
                 <a:solidFill>
                   <a:srgbClr val="FFFFFF"/>
                 </a:solidFill>
               </a14:hiddenFill>
             </a:ext>
             <a:ext uri="{91240B29-F687-4f45-9708-019B960494DF}">
-              <a14:hiddenLine xmlns="" xmlns:a="http://schemas.openxmlformats.org/drawingml/2006/main" xmlns:r="http://schemas.openxmlformats.org/officeDocument/2006/relationships" xmlns:p="http://schemas.openxmlformats.org/presentationml/2006/main" xmlns:a14="http://schemas.microsoft.com/office/drawing/2010/main" w="9525">
+              <a14:hiddenLine xmlns:a14="http://schemas.microsoft.com/office/drawing/2010/main" xmlns:p="http://schemas.openxmlformats.org/presentationml/2006/main" xmlns:r="http://schemas.openxmlformats.org/officeDocument/2006/relationships" xmlns:a="http://schemas.openxmlformats.org/drawingml/2006/main" xmlns="" w="9525">
                 <a:solidFill>
                   <a:srgbClr val="000000"/>
                 </a:solidFill>
@@ -9296,7 +9328,7 @@
               </a14:hiddenLine>
             </a:ext>
             <a:ext uri="{FAA26D3D-D897-4be2-8F04-BA451C77F1D7}">
-              <ma14:placeholderFlag xmlns="" xmlns:a="http://schemas.openxmlformats.org/drawingml/2006/main" xmlns:r="http://schemas.openxmlformats.org/officeDocument/2006/relationships" xmlns:p="http://schemas.openxmlformats.org/presentationml/2006/main" xmlns:ma14="http://schemas.microsoft.com/office/mac/drawingml/2011/main" val="1"/>
+              <ma14:placeholderFlag xmlns:ma14="http://schemas.microsoft.com/office/mac/drawingml/2011/main" xmlns:p="http://schemas.openxmlformats.org/presentationml/2006/main" xmlns:r="http://schemas.openxmlformats.org/officeDocument/2006/relationships" xmlns:a="http://schemas.openxmlformats.org/drawingml/2006/main" xmlns="" val="1"/>
             </a:ext>
           </a:extLst>
         </p:spPr>
@@ -9433,8 +9465,8 @@
         </p:blipFill>
         <p:spPr>
           <a:xfrm>
-            <a:off x="131318" y="2123852"/>
-            <a:ext cx="8881363" cy="3737895"/>
+            <a:off x="131318" y="2312388"/>
+            <a:ext cx="8881363" cy="4041278"/>
           </a:xfrm>
         </p:spPr>
       </p:pic>
@@ -9475,6 +9507,42 @@
               </a:rPr>
               <a:t>2</a:t>
             </a:r>
+          </a:p>
+        </p:txBody>
+      </p:sp>
+      <p:sp>
+        <p:nvSpPr>
+          <p:cNvPr id="3" name="ZoneTexte 2">
+            <a:extLst>
+              <a:ext uri="{FF2B5EF4-FFF2-40B4-BE49-F238E27FC236}">
+                <a16:creationId xmlns:a16="http://schemas.microsoft.com/office/drawing/2014/main" id="{567ECAC9-3FFA-47A4-B0C2-619BC5627FBD}"/>
+              </a:ext>
+            </a:extLst>
+          </p:cNvPr>
+          <p:cNvSpPr txBox="1"/>
+          <p:nvPr/>
+        </p:nvSpPr>
+        <p:spPr>
+          <a:xfrm>
+            <a:off x="216816" y="1027522"/>
+            <a:ext cx="8719794" cy="1200329"/>
+          </a:xfrm>
+          <a:prstGeom prst="rect">
+            <a:avLst/>
+          </a:prstGeom>
+          <a:noFill/>
+        </p:spPr>
+        <p:txBody>
+          <a:bodyPr wrap="square" rtlCol="0">
+            <a:spAutoFit/>
+          </a:bodyPr>
+          <a:lstStyle/>
+          <a:p>
+            <a:r>
+              <a:rPr lang="en-US" dirty="0"/>
+              <a:t>“System of interrelated computing devices, mechanical and digital machines, objects, animals or people that are provided with unique identifiers (UIDs) and the ability to transfer data over a network without requiring human-to-human or human-to-computer interaction.”</a:t>
+            </a:r>
+            <a:endParaRPr lang="fr-BE" dirty="0"/>
           </a:p>
         </p:txBody>
       </p:sp>
@@ -10018,14 +10086,14 @@
           <a:noFill/>
           <a:extLst>
             <a:ext uri="{909E8E84-426E-40dd-AFC4-6F175D3DCCD1}">
-              <a14:hiddenFill xmlns="" xmlns:a="http://schemas.openxmlformats.org/drawingml/2006/main" xmlns:r="http://schemas.openxmlformats.org/officeDocument/2006/relationships" xmlns:p="http://schemas.openxmlformats.org/presentationml/2006/main" xmlns:a14="http://schemas.microsoft.com/office/drawing/2010/main">
+              <a14:hiddenFill xmlns:a14="http://schemas.microsoft.com/office/drawing/2010/main" xmlns:p="http://schemas.openxmlformats.org/presentationml/2006/main" xmlns:r="http://schemas.openxmlformats.org/officeDocument/2006/relationships" xmlns:a="http://schemas.openxmlformats.org/drawingml/2006/main" xmlns="">
                 <a:solidFill>
                   <a:srgbClr val="FFFFFF"/>
                 </a:solidFill>
               </a14:hiddenFill>
             </a:ext>
             <a:ext uri="{91240B29-F687-4f45-9708-019B960494DF}">
-              <a14:hiddenLine xmlns="" xmlns:a="http://schemas.openxmlformats.org/drawingml/2006/main" xmlns:r="http://schemas.openxmlformats.org/officeDocument/2006/relationships" xmlns:p="http://schemas.openxmlformats.org/presentationml/2006/main" xmlns:a14="http://schemas.microsoft.com/office/drawing/2010/main" w="9525">
+              <a14:hiddenLine xmlns:a14="http://schemas.microsoft.com/office/drawing/2010/main" xmlns:p="http://schemas.openxmlformats.org/presentationml/2006/main" xmlns:r="http://schemas.openxmlformats.org/officeDocument/2006/relationships" xmlns:a="http://schemas.openxmlformats.org/drawingml/2006/main" xmlns="" w="9525">
                 <a:solidFill>
                   <a:srgbClr val="000000"/>
                 </a:solidFill>
@@ -10035,7 +10103,7 @@
               </a14:hiddenLine>
             </a:ext>
             <a:ext uri="{FAA26D3D-D897-4be2-8F04-BA451C77F1D7}">
-              <ma14:placeholderFlag xmlns="" xmlns:a="http://schemas.openxmlformats.org/drawingml/2006/main" xmlns:r="http://schemas.openxmlformats.org/officeDocument/2006/relationships" xmlns:p="http://schemas.openxmlformats.org/presentationml/2006/main" xmlns:ma14="http://schemas.microsoft.com/office/mac/drawingml/2011/main" val="1"/>
+              <ma14:placeholderFlag xmlns:ma14="http://schemas.microsoft.com/office/mac/drawingml/2011/main" xmlns:p="http://schemas.openxmlformats.org/presentationml/2006/main" xmlns:r="http://schemas.openxmlformats.org/officeDocument/2006/relationships" xmlns:a="http://schemas.openxmlformats.org/drawingml/2006/main" xmlns="" val="1"/>
             </a:ext>
           </a:extLst>
         </p:spPr>

--- a/presentation/Complex Event Processing for Internet of Things.pptx
+++ b/presentation/Complex Event Processing for Internet of Things.pptx
@@ -8,10 +8,10 @@
     <p:sldMasterId id="2147483677" r:id="rId4"/>
   </p:sldMasterIdLst>
   <p:notesMasterIdLst>
-    <p:notesMasterId r:id="rId32"/>
+    <p:notesMasterId r:id="rId31"/>
   </p:notesMasterIdLst>
   <p:handoutMasterIdLst>
-    <p:handoutMasterId r:id="rId33"/>
+    <p:handoutMasterId r:id="rId32"/>
   </p:handoutMasterIdLst>
   <p:sldIdLst>
     <p:sldId id="257" r:id="rId5"/>
@@ -23,24 +23,23 @@
     <p:sldId id="290" r:id="rId11"/>
     <p:sldId id="279" r:id="rId12"/>
     <p:sldId id="268" r:id="rId13"/>
-    <p:sldId id="291" r:id="rId14"/>
-    <p:sldId id="295" r:id="rId15"/>
-    <p:sldId id="292" r:id="rId16"/>
-    <p:sldId id="283" r:id="rId17"/>
-    <p:sldId id="284" r:id="rId18"/>
-    <p:sldId id="293" r:id="rId19"/>
-    <p:sldId id="294" r:id="rId20"/>
-    <p:sldId id="287" r:id="rId21"/>
-    <p:sldId id="288" r:id="rId22"/>
-    <p:sldId id="297" r:id="rId23"/>
-    <p:sldId id="301" r:id="rId24"/>
-    <p:sldId id="298" r:id="rId25"/>
-    <p:sldId id="299" r:id="rId26"/>
-    <p:sldId id="300" r:id="rId27"/>
-    <p:sldId id="280" r:id="rId28"/>
-    <p:sldId id="267" r:id="rId29"/>
-    <p:sldId id="296" r:id="rId30"/>
-    <p:sldId id="282" r:id="rId31"/>
+    <p:sldId id="295" r:id="rId14"/>
+    <p:sldId id="292" r:id="rId15"/>
+    <p:sldId id="283" r:id="rId16"/>
+    <p:sldId id="284" r:id="rId17"/>
+    <p:sldId id="293" r:id="rId18"/>
+    <p:sldId id="294" r:id="rId19"/>
+    <p:sldId id="287" r:id="rId20"/>
+    <p:sldId id="288" r:id="rId21"/>
+    <p:sldId id="297" r:id="rId22"/>
+    <p:sldId id="301" r:id="rId23"/>
+    <p:sldId id="298" r:id="rId24"/>
+    <p:sldId id="299" r:id="rId25"/>
+    <p:sldId id="300" r:id="rId26"/>
+    <p:sldId id="280" r:id="rId27"/>
+    <p:sldId id="267" r:id="rId28"/>
+    <p:sldId id="296" r:id="rId29"/>
+    <p:sldId id="282" r:id="rId30"/>
   </p:sldIdLst>
   <p:sldSz cx="9144000" cy="6858000" type="screen4x3"/>
   <p:notesSz cx="6858000" cy="9144000"/>
@@ -291,7 +290,7 @@
             <a:fld id="{2DE2638D-C9D0-4AA9-AB04-BEA50A53D0F6}" type="datetime1">
               <a:rPr lang="fr-FR" altLang="fr-FR"/>
               <a:pPr/>
-              <a:t>31/08/2019</a:t>
+              <a:t>01/09/2019</a:t>
             </a:fld>
             <a:endParaRPr lang="fr-FR" altLang="fr-FR"/>
           </a:p>
@@ -474,7 +473,7 @@
           <a:p>
             <a:fld id="{DEDA8D75-7362-43DE-8133-DD6A5EB80F21}" type="datetimeFigureOut">
               <a:rPr lang="fr-BE" smtClean="0"/>
-              <a:t>31-08-19</a:t>
+              <a:t>01-09-19</a:t>
             </a:fld>
             <a:endParaRPr lang="fr-BE"/>
           </a:p>
@@ -3739,14 +3738,14 @@
           </a:ln>
           <a:extLst>
             <a:ext uri="{909E8E84-426E-40dd-AFC4-6F175D3DCCD1}">
-              <a14:hiddenFill xmlns:a14="http://schemas.microsoft.com/office/drawing/2010/main" xmlns:p="http://schemas.openxmlformats.org/presentationml/2006/main" xmlns:r="http://schemas.openxmlformats.org/officeDocument/2006/relationships" xmlns:a="http://schemas.openxmlformats.org/drawingml/2006/main" xmlns="">
+              <a14:hiddenFill xmlns="" xmlns:a="http://schemas.openxmlformats.org/drawingml/2006/main" xmlns:r="http://schemas.openxmlformats.org/officeDocument/2006/relationships" xmlns:p="http://schemas.openxmlformats.org/presentationml/2006/main" xmlns:a14="http://schemas.microsoft.com/office/drawing/2010/main">
                 <a:solidFill>
                   <a:srgbClr val="FFFFFF"/>
                 </a:solidFill>
               </a14:hiddenFill>
             </a:ext>
             <a:ext uri="{91240B29-F687-4f45-9708-019B960494DF}">
-              <a14:hiddenLine xmlns:a14="http://schemas.microsoft.com/office/drawing/2010/main" xmlns:p="http://schemas.openxmlformats.org/presentationml/2006/main" xmlns:r="http://schemas.openxmlformats.org/officeDocument/2006/relationships" xmlns:a="http://schemas.openxmlformats.org/drawingml/2006/main" xmlns="" w="9525">
+              <a14:hiddenLine xmlns="" xmlns:a="http://schemas.openxmlformats.org/drawingml/2006/main" xmlns:r="http://schemas.openxmlformats.org/officeDocument/2006/relationships" xmlns:p="http://schemas.openxmlformats.org/presentationml/2006/main" xmlns:a14="http://schemas.microsoft.com/office/drawing/2010/main" w="9525">
                 <a:solidFill>
                   <a:srgbClr val="000000"/>
                 </a:solidFill>
@@ -3983,14 +3982,14 @@
           </a:ln>
           <a:extLst>
             <a:ext uri="{909E8E84-426E-40dd-AFC4-6F175D3DCCD1}">
-              <a14:hiddenFill xmlns:a14="http://schemas.microsoft.com/office/drawing/2010/main" xmlns:p="http://schemas.openxmlformats.org/presentationml/2006/main" xmlns:r="http://schemas.openxmlformats.org/officeDocument/2006/relationships" xmlns:a="http://schemas.openxmlformats.org/drawingml/2006/main" xmlns="">
+              <a14:hiddenFill xmlns="" xmlns:a="http://schemas.openxmlformats.org/drawingml/2006/main" xmlns:r="http://schemas.openxmlformats.org/officeDocument/2006/relationships" xmlns:p="http://schemas.openxmlformats.org/presentationml/2006/main" xmlns:a14="http://schemas.microsoft.com/office/drawing/2010/main">
                 <a:solidFill>
                   <a:srgbClr val="FFFFFF"/>
                 </a:solidFill>
               </a14:hiddenFill>
             </a:ext>
             <a:ext uri="{91240B29-F687-4f45-9708-019B960494DF}">
-              <a14:hiddenLine xmlns:a14="http://schemas.microsoft.com/office/drawing/2010/main" xmlns:p="http://schemas.openxmlformats.org/presentationml/2006/main" xmlns:r="http://schemas.openxmlformats.org/officeDocument/2006/relationships" xmlns:a="http://schemas.openxmlformats.org/drawingml/2006/main" xmlns="" w="9525">
+              <a14:hiddenLine xmlns="" xmlns:a="http://schemas.openxmlformats.org/drawingml/2006/main" xmlns:r="http://schemas.openxmlformats.org/officeDocument/2006/relationships" xmlns:p="http://schemas.openxmlformats.org/presentationml/2006/main" xmlns:a14="http://schemas.microsoft.com/office/drawing/2010/main" w="9525">
                 <a:solidFill>
                   <a:srgbClr val="000000"/>
                 </a:solidFill>
@@ -5293,35 +5292,6 @@
           </a:p>
         </p:txBody>
       </p:sp>
-      <p:pic>
-        <p:nvPicPr>
-          <p:cNvPr id="5" name="Espace réservé du contenu 4" descr="Une image contenant objet&#10;&#10;Description générée automatiquement">
-            <a:extLst>
-              <a:ext uri="{FF2B5EF4-FFF2-40B4-BE49-F238E27FC236}">
-                <a16:creationId xmlns:a16="http://schemas.microsoft.com/office/drawing/2014/main" id="{E4332862-FB97-489E-8C09-1D094BBCDE25}"/>
-              </a:ext>
-            </a:extLst>
-          </p:cNvPr>
-          <p:cNvPicPr>
-            <a:picLocks noGrp="1" noChangeAspect="1"/>
-          </p:cNvPicPr>
-          <p:nvPr>
-            <p:ph idx="1"/>
-          </p:nvPr>
-        </p:nvPicPr>
-        <p:blipFill>
-          <a:blip r:embed="rId2"/>
-          <a:stretch>
-            <a:fillRect/>
-          </a:stretch>
-        </p:blipFill>
-        <p:spPr>
-          <a:xfrm>
-            <a:off x="817174" y="1903479"/>
-            <a:ext cx="7509651" cy="3919404"/>
-          </a:xfrm>
-        </p:spPr>
-      </p:pic>
       <p:sp>
         <p:nvSpPr>
           <p:cNvPr id="2" name="Espace réservé du numéro de diapositive 1">
@@ -5358,180 +5328,6 @@
                 </a:solidFill>
               </a:rPr>
               <a:t>7</a:t>
-            </a:r>
-          </a:p>
-        </p:txBody>
-      </p:sp>
-      <p:sp>
-        <p:nvSpPr>
-          <p:cNvPr id="6" name="ZoneTexte 5">
-            <a:extLst>
-              <a:ext uri="{FF2B5EF4-FFF2-40B4-BE49-F238E27FC236}">
-                <a16:creationId xmlns:a16="http://schemas.microsoft.com/office/drawing/2014/main" id="{109779CE-66A1-4EC9-9708-4A6A59559076}"/>
-              </a:ext>
-            </a:extLst>
-          </p:cNvPr>
-          <p:cNvSpPr txBox="1"/>
-          <p:nvPr/>
-        </p:nvSpPr>
-        <p:spPr>
-          <a:xfrm>
-            <a:off x="735291" y="1216058"/>
-            <a:ext cx="7591534" cy="523220"/>
-          </a:xfrm>
-          <a:prstGeom prst="rect">
-            <a:avLst/>
-          </a:prstGeom>
-          <a:noFill/>
-        </p:spPr>
-        <p:txBody>
-          <a:bodyPr wrap="square" rtlCol="0">
-            <a:spAutoFit/>
-          </a:bodyPr>
-          <a:lstStyle/>
-          <a:p>
-            <a:r>
-              <a:rPr lang="fr-BE" sz="2800" dirty="0"/>
-              <a:t>CEP Engine :</a:t>
-            </a:r>
-          </a:p>
-        </p:txBody>
-      </p:sp>
-    </p:spTree>
-    <p:extLst>
-      <p:ext uri="{BB962C8B-B14F-4D97-AF65-F5344CB8AC3E}">
-        <p14:creationId xmlns:p14="http://schemas.microsoft.com/office/powerpoint/2010/main" val="116079113"/>
-      </p:ext>
-    </p:extLst>
-  </p:cSld>
-  <p:clrMapOvr>
-    <a:masterClrMapping/>
-  </p:clrMapOvr>
-</p:sld>
-</file>
-
-<file path=ppt/slides/slide11.xml><?xml version="1.0" encoding="utf-8"?>
-<p:sld xmlns:a="http://purl.oclc.org/ooxml/drawingml/main" xmlns:r="http://purl.oclc.org/ooxml/officeDocument/relationships" xmlns:p="http://purl.oclc.org/ooxml/presentationml/main">
-  <p:cSld>
-    <p:spTree>
-      <p:nvGrpSpPr>
-        <p:cNvPr id="1" name=""/>
-        <p:cNvGrpSpPr/>
-        <p:nvPr/>
-      </p:nvGrpSpPr>
-      <p:grpSpPr>
-        <a:xfrm>
-          <a:off x="0" y="0"/>
-          <a:ext cx="0" cy="0"/>
-          <a:chOff x="0" y="0"/>
-          <a:chExt cx="0" cy="0"/>
-        </a:xfrm>
-      </p:grpSpPr>
-      <p:sp>
-        <p:nvSpPr>
-          <p:cNvPr id="9218" name="Titre 1"/>
-          <p:cNvSpPr>
-            <a:spLocks noGrp="1"/>
-          </p:cNvSpPr>
-          <p:nvPr>
-            <p:ph type="title"/>
-          </p:nvPr>
-        </p:nvSpPr>
-        <p:spPr bwMode="auto">
-          <a:noFill/>
-          <a:extLst>
-            <a:ext uri="{909E8E84-426E-40DD-AFC4-6F175D3DCCD1}">
-              <a14:hiddenFill xmlns:a14="http://schemas.microsoft.com/office/drawing/2010/main">
-                <a:solidFill>
-                  <a:srgbClr val="FFFFFF"/>
-                </a:solidFill>
-              </a14:hiddenFill>
-            </a:ext>
-            <a:ext uri="{91240B29-F687-4F45-9708-019B960494DF}">
-              <a14:hiddenLine xmlns:a14="http://schemas.microsoft.com/office/drawing/2010/main" w="9525">
-                <a:solidFill>
-                  <a:srgbClr val="000000"/>
-                </a:solidFill>
-                <a:miter lim="800%"/>
-                <a:headEnd/>
-                <a:tailEnd/>
-              </a14:hiddenLine>
-            </a:ext>
-          </a:extLst>
-        </p:spPr>
-        <p:txBody>
-          <a:bodyPr vert="horz" wrap="square" lIns="91440" tIns="45720" rIns="91440" bIns="45720" numCol="1" anchor="t" anchorCtr="0" compatLnSpc="1">
-            <a:prstTxWarp prst="textNoShape">
-              <a:avLst/>
-            </a:prstTxWarp>
-          </a:bodyPr>
-          <a:lstStyle/>
-          <a:p>
-            <a:pPr algn="ctr" eaLnBrk="1" hangingPunct="1"/>
-            <a:r>
-              <a:rPr lang="fr-FR" altLang="fr-FR" sz="3600" dirty="0" err="1">
-                <a:latin typeface="Verdana" panose="020B0604030504040204" pitchFamily="34" charset="0"/>
-                <a:ea typeface="ＭＳ Ｐゴシック" panose="020B0600070205080204" pitchFamily="34" charset="-128"/>
-              </a:rPr>
-              <a:t>Complex</a:t>
-            </a:r>
-            <a:r>
-              <a:rPr lang="fr-FR" altLang="fr-FR" sz="3600" dirty="0">
-                <a:latin typeface="Verdana" panose="020B0604030504040204" pitchFamily="34" charset="0"/>
-                <a:ea typeface="ＭＳ Ｐゴシック" panose="020B0600070205080204" pitchFamily="34" charset="-128"/>
-              </a:rPr>
-              <a:t> Event </a:t>
-            </a:r>
-            <a:r>
-              <a:rPr lang="fr-FR" altLang="fr-FR" sz="3600" dirty="0" err="1">
-                <a:latin typeface="Verdana" panose="020B0604030504040204" pitchFamily="34" charset="0"/>
-                <a:ea typeface="ＭＳ Ｐゴシック" panose="020B0600070205080204" pitchFamily="34" charset="-128"/>
-              </a:rPr>
-              <a:t>Processing</a:t>
-            </a:r>
-            <a:endParaRPr lang="fr-FR" altLang="fr-FR" sz="3600" dirty="0">
-              <a:latin typeface="Verdana" panose="020B0604030504040204" pitchFamily="34" charset="0"/>
-              <a:ea typeface="ＭＳ Ｐゴシック" panose="020B0600070205080204" pitchFamily="34" charset="-128"/>
-            </a:endParaRPr>
-          </a:p>
-        </p:txBody>
-      </p:sp>
-      <p:sp>
-        <p:nvSpPr>
-          <p:cNvPr id="2" name="Espace réservé du numéro de diapositive 1">
-            <a:extLst>
-              <a:ext uri="{FF2B5EF4-FFF2-40B4-BE49-F238E27FC236}">
-                <a16:creationId xmlns:a16="http://schemas.microsoft.com/office/drawing/2014/main" id="{DCD75088-0863-48E7-808D-55EE80351927}"/>
-              </a:ext>
-            </a:extLst>
-          </p:cNvPr>
-          <p:cNvSpPr>
-            <a:spLocks noGrp="1"/>
-          </p:cNvSpPr>
-          <p:nvPr>
-            <p:ph type="sldNum" sz="quarter" idx="10"/>
-          </p:nvPr>
-        </p:nvSpPr>
-        <p:spPr>
-          <a:xfrm>
-            <a:off x="7010400" y="6579992"/>
-            <a:ext cx="2133600" cy="365125"/>
-          </a:xfrm>
-        </p:spPr>
-        <p:txBody>
-          <a:bodyPr/>
-          <a:lstStyle/>
-          <a:p>
-            <a:pPr>
-              <a:defRPr/>
-            </a:pPr>
-            <a:r>
-              <a:rPr lang="en-US" dirty="0">
-                <a:solidFill>
-                  <a:schemeClr val="bg1"/>
-                </a:solidFill>
-              </a:rPr>
-              <a:t>8</a:t>
             </a:r>
           </a:p>
         </p:txBody>
@@ -5915,7 +5711,7 @@
 </p:sld>
 </file>
 
-<file path=ppt/slides/slide12.xml><?xml version="1.0" encoding="utf-8"?>
+<file path=ppt/slides/slide11.xml><?xml version="1.0" encoding="utf-8"?>
 <p:sld xmlns:a="http://purl.oclc.org/ooxml/drawingml/main" xmlns:r="http://purl.oclc.org/ooxml/officeDocument/relationships" xmlns:p="http://purl.oclc.org/ooxml/presentationml/main">
   <p:cSld>
     <p:spTree>
@@ -6064,7 +5860,7 @@
                   <a:schemeClr val="bg1"/>
                 </a:solidFill>
               </a:rPr>
-              <a:t>9</a:t>
+              <a:t>8</a:t>
             </a:r>
           </a:p>
         </p:txBody>
@@ -6117,7 +5913,7 @@
 </p:sld>
 </file>
 
-<file path=ppt/slides/slide13.xml><?xml version="1.0" encoding="utf-8"?>
+<file path=ppt/slides/slide12.xml><?xml version="1.0" encoding="utf-8"?>
 <p:sld xmlns:a="http://purl.oclc.org/ooxml/drawingml/main" xmlns:r="http://purl.oclc.org/ooxml/officeDocument/relationships" xmlns:p="http://purl.oclc.org/ooxml/presentationml/main">
   <p:cSld>
     <p:spTree>
@@ -6158,14 +5954,14 @@
           <a:noFill/>
           <a:extLst>
             <a:ext uri="{909E8E84-426E-40dd-AFC4-6F175D3DCCD1}">
-              <a14:hiddenFill xmlns:a14="http://schemas.microsoft.com/office/drawing/2010/main" xmlns:p="http://schemas.openxmlformats.org/presentationml/2006/main" xmlns:r="http://schemas.openxmlformats.org/officeDocument/2006/relationships" xmlns:a="http://schemas.openxmlformats.org/drawingml/2006/main" xmlns="">
+              <a14:hiddenFill xmlns="" xmlns:a="http://schemas.openxmlformats.org/drawingml/2006/main" xmlns:r="http://schemas.openxmlformats.org/officeDocument/2006/relationships" xmlns:p="http://schemas.openxmlformats.org/presentationml/2006/main" xmlns:a14="http://schemas.microsoft.com/office/drawing/2010/main">
                 <a:solidFill>
                   <a:srgbClr val="FFFFFF"/>
                 </a:solidFill>
               </a14:hiddenFill>
             </a:ext>
             <a:ext uri="{91240B29-F687-4f45-9708-019B960494DF}">
-              <a14:hiddenLine xmlns:a14="http://schemas.microsoft.com/office/drawing/2010/main" xmlns:p="http://schemas.openxmlformats.org/presentationml/2006/main" xmlns:r="http://schemas.openxmlformats.org/officeDocument/2006/relationships" xmlns:a="http://schemas.openxmlformats.org/drawingml/2006/main" xmlns="" w="9525">
+              <a14:hiddenLine xmlns="" xmlns:a="http://schemas.openxmlformats.org/drawingml/2006/main" xmlns:r="http://schemas.openxmlformats.org/officeDocument/2006/relationships" xmlns:p="http://schemas.openxmlformats.org/presentationml/2006/main" xmlns:a14="http://schemas.microsoft.com/office/drawing/2010/main" w="9525">
                 <a:solidFill>
                   <a:srgbClr val="000000"/>
                 </a:solidFill>
@@ -6175,7 +5971,7 @@
               </a14:hiddenLine>
             </a:ext>
             <a:ext uri="{FAA26D3D-D897-4be2-8F04-BA451C77F1D7}">
-              <ma14:placeholderFlag xmlns:ma14="http://schemas.microsoft.com/office/mac/drawingml/2011/main" xmlns:p="http://schemas.openxmlformats.org/presentationml/2006/main" xmlns:r="http://schemas.openxmlformats.org/officeDocument/2006/relationships" xmlns:a="http://schemas.openxmlformats.org/drawingml/2006/main" xmlns="" val="1"/>
+              <ma14:placeholderFlag xmlns="" xmlns:a="http://schemas.openxmlformats.org/drawingml/2006/main" xmlns:r="http://schemas.openxmlformats.org/officeDocument/2006/relationships" xmlns:p="http://schemas.openxmlformats.org/presentationml/2006/main" xmlns:ma14="http://schemas.microsoft.com/office/mac/drawingml/2011/main" val="1"/>
             </a:ext>
           </a:extLst>
         </p:spPr>
@@ -6227,7 +6023,7 @@
 </p:sld>
 </file>
 
-<file path=ppt/slides/slide14.xml><?xml version="1.0" encoding="utf-8"?>
+<file path=ppt/slides/slide13.xml><?xml version="1.0" encoding="utf-8"?>
 <p:sld xmlns:a="http://purl.oclc.org/ooxml/drawingml/main" xmlns:r="http://purl.oclc.org/ooxml/officeDocument/relationships" xmlns:p="http://purl.oclc.org/ooxml/presentationml/main">
   <p:cSld>
     <p:spTree>
@@ -6415,7 +6211,7 @@
                   <a:schemeClr val="bg1"/>
                 </a:solidFill>
               </a:rPr>
-              <a:t>10</a:t>
+              <a:t>9</a:t>
             </a:r>
           </a:p>
         </p:txBody>
@@ -6463,7 +6259,7 @@
 </p:sld>
 </file>
 
-<file path=ppt/slides/slide15.xml><?xml version="1.0" encoding="utf-8"?>
+<file path=ppt/slides/slide14.xml><?xml version="1.0" encoding="utf-8"?>
 <p:sld xmlns:a="http://purl.oclc.org/ooxml/drawingml/main" xmlns:r="http://purl.oclc.org/ooxml/officeDocument/relationships" xmlns:p="http://purl.oclc.org/ooxml/presentationml/main">
   <p:cSld>
     <p:spTree>
@@ -6651,7 +6447,7 @@
                   <a:schemeClr val="bg1"/>
                 </a:solidFill>
               </a:rPr>
-              <a:t>11</a:t>
+              <a:t>10</a:t>
             </a:r>
           </a:p>
         </p:txBody>
@@ -6699,7 +6495,7 @@
 </p:sld>
 </file>
 
-<file path=ppt/slides/slide16.xml><?xml version="1.0" encoding="utf-8"?>
+<file path=ppt/slides/slide15.xml><?xml version="1.0" encoding="utf-8"?>
 <p:sld xmlns:a="http://purl.oclc.org/ooxml/drawingml/main" xmlns:r="http://purl.oclc.org/ooxml/officeDocument/relationships" xmlns:p="http://purl.oclc.org/ooxml/presentationml/main">
   <p:cSld>
     <p:spTree>
@@ -6887,7 +6683,7 @@
                   <a:schemeClr val="bg1"/>
                 </a:solidFill>
               </a:rPr>
-              <a:t>12</a:t>
+              <a:t>11</a:t>
             </a:r>
           </a:p>
         </p:txBody>
@@ -6935,7 +6731,7 @@
 </p:sld>
 </file>
 
-<file path=ppt/slides/slide17.xml><?xml version="1.0" encoding="utf-8"?>
+<file path=ppt/slides/slide16.xml><?xml version="1.0" encoding="utf-8"?>
 <p:sld xmlns:a="http://purl.oclc.org/ooxml/drawingml/main" xmlns:r="http://purl.oclc.org/ooxml/officeDocument/relationships" xmlns:p="http://purl.oclc.org/ooxml/presentationml/main">
   <p:cSld>
     <p:spTree>
@@ -6976,14 +6772,14 @@
           <a:noFill/>
           <a:extLst>
             <a:ext uri="{909E8E84-426E-40dd-AFC4-6F175D3DCCD1}">
-              <a14:hiddenFill xmlns:a14="http://schemas.microsoft.com/office/drawing/2010/main" xmlns:p="http://schemas.openxmlformats.org/presentationml/2006/main" xmlns:r="http://schemas.openxmlformats.org/officeDocument/2006/relationships" xmlns:a="http://schemas.openxmlformats.org/drawingml/2006/main" xmlns="">
+              <a14:hiddenFill xmlns="" xmlns:a="http://schemas.openxmlformats.org/drawingml/2006/main" xmlns:r="http://schemas.openxmlformats.org/officeDocument/2006/relationships" xmlns:p="http://schemas.openxmlformats.org/presentationml/2006/main" xmlns:a14="http://schemas.microsoft.com/office/drawing/2010/main">
                 <a:solidFill>
                   <a:srgbClr val="FFFFFF"/>
                 </a:solidFill>
               </a14:hiddenFill>
             </a:ext>
             <a:ext uri="{91240B29-F687-4f45-9708-019B960494DF}">
-              <a14:hiddenLine xmlns:a14="http://schemas.microsoft.com/office/drawing/2010/main" xmlns:p="http://schemas.openxmlformats.org/presentationml/2006/main" xmlns:r="http://schemas.openxmlformats.org/officeDocument/2006/relationships" xmlns:a="http://schemas.openxmlformats.org/drawingml/2006/main" xmlns="" w="9525">
+              <a14:hiddenLine xmlns="" xmlns:a="http://schemas.openxmlformats.org/drawingml/2006/main" xmlns:r="http://schemas.openxmlformats.org/officeDocument/2006/relationships" xmlns:p="http://schemas.openxmlformats.org/presentationml/2006/main" xmlns:a14="http://schemas.microsoft.com/office/drawing/2010/main" w="9525">
                 <a:solidFill>
                   <a:srgbClr val="000000"/>
                 </a:solidFill>
@@ -6993,7 +6789,7 @@
               </a14:hiddenLine>
             </a:ext>
             <a:ext uri="{FAA26D3D-D897-4be2-8F04-BA451C77F1D7}">
-              <ma14:placeholderFlag xmlns:ma14="http://schemas.microsoft.com/office/mac/drawingml/2011/main" xmlns:p="http://schemas.openxmlformats.org/presentationml/2006/main" xmlns:r="http://schemas.openxmlformats.org/officeDocument/2006/relationships" xmlns:a="http://schemas.openxmlformats.org/drawingml/2006/main" xmlns="" val="1"/>
+              <ma14:placeholderFlag xmlns="" xmlns:a="http://schemas.openxmlformats.org/drawingml/2006/main" xmlns:r="http://schemas.openxmlformats.org/officeDocument/2006/relationships" xmlns:p="http://schemas.openxmlformats.org/presentationml/2006/main" xmlns:ma14="http://schemas.microsoft.com/office/mac/drawingml/2011/main" val="1"/>
             </a:ext>
           </a:extLst>
         </p:spPr>
@@ -7029,6 +6825,270 @@
     <p:extLst>
       <p:ext uri="{BB962C8B-B14F-4D97-AF65-F5344CB8AC3E}">
         <p14:creationId xmlns:p14="http://schemas.microsoft.com/office/powerpoint/2010/main" val="2772645515"/>
+      </p:ext>
+    </p:extLst>
+  </p:cSld>
+  <p:clrMapOvr>
+    <a:masterClrMapping/>
+  </p:clrMapOvr>
+</p:sld>
+</file>
+
+<file path=ppt/slides/slide17.xml><?xml version="1.0" encoding="utf-8"?>
+<p:sld xmlns:a="http://purl.oclc.org/ooxml/drawingml/main" xmlns:r="http://purl.oclc.org/ooxml/officeDocument/relationships" xmlns:p="http://purl.oclc.org/ooxml/presentationml/main">
+  <p:cSld>
+    <p:spTree>
+      <p:nvGrpSpPr>
+        <p:cNvPr id="1" name=""/>
+        <p:cNvGrpSpPr/>
+        <p:nvPr/>
+      </p:nvGrpSpPr>
+      <p:grpSpPr>
+        <a:xfrm>
+          <a:off x="0" y="0"/>
+          <a:ext cx="0" cy="0"/>
+          <a:chOff x="0" y="0"/>
+          <a:chExt cx="0" cy="0"/>
+        </a:xfrm>
+      </p:grpSpPr>
+      <p:sp>
+        <p:nvSpPr>
+          <p:cNvPr id="9218" name="Titre 1"/>
+          <p:cNvSpPr>
+            <a:spLocks noGrp="1"/>
+          </p:cNvSpPr>
+          <p:nvPr>
+            <p:ph type="title"/>
+          </p:nvPr>
+        </p:nvSpPr>
+        <p:spPr bwMode="auto">
+          <a:noFill/>
+          <a:extLst>
+            <a:ext uri="{909E8E84-426E-40DD-AFC4-6F175D3DCCD1}">
+              <a14:hiddenFill xmlns:a14="http://schemas.microsoft.com/office/drawing/2010/main">
+                <a:solidFill>
+                  <a:srgbClr val="FFFFFF"/>
+                </a:solidFill>
+              </a14:hiddenFill>
+            </a:ext>
+            <a:ext uri="{91240B29-F687-4F45-9708-019B960494DF}">
+              <a14:hiddenLine xmlns:a14="http://schemas.microsoft.com/office/drawing/2010/main" w="9525">
+                <a:solidFill>
+                  <a:srgbClr val="000000"/>
+                </a:solidFill>
+                <a:miter lim="800%"/>
+                <a:headEnd/>
+                <a:tailEnd/>
+              </a14:hiddenLine>
+            </a:ext>
+          </a:extLst>
+        </p:spPr>
+        <p:txBody>
+          <a:bodyPr vert="horz" wrap="square" lIns="91440" tIns="45720" rIns="91440" bIns="45720" numCol="1" anchor="t" anchorCtr="0" compatLnSpc="1">
+            <a:prstTxWarp prst="textNoShape">
+              <a:avLst/>
+            </a:prstTxWarp>
+          </a:bodyPr>
+          <a:lstStyle/>
+          <a:p>
+            <a:pPr algn="ctr" eaLnBrk="1" hangingPunct="1"/>
+            <a:r>
+              <a:rPr lang="fr-FR" sz="3600" dirty="0" err="1">
+                <a:latin typeface="Verdana" charset="0"/>
+                <a:cs typeface="Verdana" charset="0"/>
+              </a:rPr>
+              <a:t>Problematisation</a:t>
+            </a:r>
+            <a:endParaRPr lang="fr-FR" altLang="fr-FR" sz="3600" dirty="0">
+              <a:latin typeface="Verdana" panose="020B0604030504040204" pitchFamily="34" charset="0"/>
+              <a:ea typeface="ＭＳ Ｐゴシック" panose="020B0600070205080204" pitchFamily="34" charset="-128"/>
+            </a:endParaRPr>
+          </a:p>
+        </p:txBody>
+      </p:sp>
+      <p:sp>
+        <p:nvSpPr>
+          <p:cNvPr id="3" name="Espace réservé du contenu 2"/>
+          <p:cNvSpPr>
+            <a:spLocks noGrp="1"/>
+          </p:cNvSpPr>
+          <p:nvPr>
+            <p:ph idx="1"/>
+          </p:nvPr>
+        </p:nvSpPr>
+        <p:spPr>
+          <a:xfrm>
+            <a:off x="457200" y="1166018"/>
+            <a:ext cx="8229600" cy="5215928"/>
+          </a:xfrm>
+        </p:spPr>
+        <p:txBody>
+          <a:bodyPr vert="horz" wrap="square" lIns="91440" tIns="45720" rIns="91440" bIns="45720" numCol="1" anchor="t" anchorCtr="0" compatLnSpc="1">
+            <a:prstTxWarp prst="textNoShape">
+              <a:avLst/>
+            </a:prstTxWarp>
+          </a:bodyPr>
+          <a:lstStyle/>
+          <a:p>
+            <a:r>
+              <a:rPr lang="en-US" altLang="fr-FR" dirty="0">
+                <a:ea typeface="ＭＳ Ｐゴシック" panose="020B0600070205080204" pitchFamily="34" charset="-128"/>
+              </a:rPr>
+              <a:t>”</a:t>
+            </a:r>
+            <a:r>
+              <a:rPr lang="en-US" dirty="0"/>
+              <a:t>Which Internet of Things architecture is adapted for an evolving solution where the connected objects are growing day by day ? </a:t>
+            </a:r>
+            <a:r>
+              <a:rPr lang="en-US" altLang="fr-FR" dirty="0">
+                <a:ea typeface="ＭＳ Ｐゴシック" panose="020B0600070205080204" pitchFamily="34" charset="-128"/>
+              </a:rPr>
+              <a:t>”</a:t>
+            </a:r>
+            <a:endParaRPr lang="en-US" dirty="0"/>
+          </a:p>
+          <a:p>
+            <a:endParaRPr lang="fr-FR" altLang="fr-FR" u="sng" dirty="0">
+              <a:ea typeface="ＭＳ Ｐゴシック" panose="020B0600070205080204" pitchFamily="34" charset="-128"/>
+            </a:endParaRPr>
+          </a:p>
+          <a:p>
+            <a:pPr eaLnBrk="1" hangingPunct="1">
+              <a:buFont typeface="Arial" panose="020B0604020202020204" pitchFamily="34" charset="0"/>
+              <a:buNone/>
+            </a:pPr>
+            <a:r>
+              <a:rPr lang="fr-FR" altLang="fr-FR" u="sng" dirty="0">
+                <a:ea typeface="ＭＳ Ｐゴシック" panose="020B0600070205080204" pitchFamily="34" charset="-128"/>
+              </a:rPr>
+              <a:t>Aspects:</a:t>
+            </a:r>
+          </a:p>
+          <a:p>
+            <a:pPr marL="457200" indent="-457200" eaLnBrk="1" hangingPunct="1">
+              <a:buFont typeface="Arial" panose="020B0604020202020204" pitchFamily="34" charset="0"/>
+              <a:buChar char="•"/>
+            </a:pPr>
+            <a:r>
+              <a:rPr lang="fr-FR" altLang="fr-FR" dirty="0" err="1">
+                <a:ea typeface="ＭＳ Ｐゴシック" panose="020B0600070205080204" pitchFamily="34" charset="-128"/>
+              </a:rPr>
+              <a:t>Scalability</a:t>
+            </a:r>
+            <a:endParaRPr lang="fr-FR" altLang="fr-FR" dirty="0">
+              <a:ea typeface="ＭＳ Ｐゴシック" panose="020B0600070205080204" pitchFamily="34" charset="-128"/>
+            </a:endParaRPr>
+          </a:p>
+          <a:p>
+            <a:pPr marL="457200" indent="-457200" eaLnBrk="1" hangingPunct="1">
+              <a:buFont typeface="Arial" panose="020B0604020202020204" pitchFamily="34" charset="0"/>
+              <a:buChar char="•"/>
+            </a:pPr>
+            <a:r>
+              <a:rPr lang="fr-FR" altLang="fr-FR" dirty="0" err="1">
+                <a:ea typeface="ＭＳ Ｐゴシック" panose="020B0600070205080204" pitchFamily="34" charset="-128"/>
+              </a:rPr>
+              <a:t>Reliability</a:t>
+            </a:r>
+            <a:endParaRPr lang="fr-FR" altLang="fr-FR" dirty="0">
+              <a:ea typeface="ＭＳ Ｐゴシック" panose="020B0600070205080204" pitchFamily="34" charset="-128"/>
+            </a:endParaRPr>
+          </a:p>
+          <a:p>
+            <a:pPr marL="457200" indent="-457200" eaLnBrk="1" hangingPunct="1">
+              <a:buFont typeface="Arial" panose="020B0604020202020204" pitchFamily="34" charset="0"/>
+              <a:buChar char="•"/>
+            </a:pPr>
+            <a:r>
+              <a:rPr lang="fr-FR" altLang="fr-FR" dirty="0" err="1">
+                <a:ea typeface="ＭＳ Ｐゴシック" panose="020B0600070205080204" pitchFamily="34" charset="-128"/>
+              </a:rPr>
+              <a:t>Monitorability</a:t>
+            </a:r>
+            <a:endParaRPr lang="fr-FR" altLang="fr-FR" dirty="0">
+              <a:ea typeface="ＭＳ Ｐゴシック" panose="020B0600070205080204" pitchFamily="34" charset="-128"/>
+            </a:endParaRPr>
+          </a:p>
+          <a:p>
+            <a:pPr marL="457200" indent="-457200" eaLnBrk="1" hangingPunct="1">
+              <a:buFont typeface="Arial" panose="020B0604020202020204" pitchFamily="34" charset="0"/>
+              <a:buChar char="•"/>
+            </a:pPr>
+            <a:r>
+              <a:rPr lang="fr-FR" altLang="fr-FR" dirty="0" err="1">
+                <a:ea typeface="ＭＳ Ｐゴシック" panose="020B0600070205080204" pitchFamily="34" charset="-128"/>
+              </a:rPr>
+              <a:t>Extensibility</a:t>
+            </a:r>
+            <a:endParaRPr lang="fr-FR" altLang="fr-FR" dirty="0">
+              <a:ea typeface="ＭＳ Ｐゴシック" panose="020B0600070205080204" pitchFamily="34" charset="-128"/>
+            </a:endParaRPr>
+          </a:p>
+          <a:p>
+            <a:pPr eaLnBrk="1" hangingPunct="1">
+              <a:buFont typeface="Arial" panose="020B0604020202020204" pitchFamily="34" charset="0"/>
+              <a:buNone/>
+            </a:pPr>
+            <a:endParaRPr lang="fr-FR" altLang="fr-FR" u="sng" dirty="0">
+              <a:ea typeface="ＭＳ Ｐゴシック" panose="020B0600070205080204" pitchFamily="34" charset="-128"/>
+            </a:endParaRPr>
+          </a:p>
+          <a:p>
+            <a:pPr eaLnBrk="1" hangingPunct="1">
+              <a:buFont typeface="Arial" panose="020B0604020202020204" pitchFamily="34" charset="0"/>
+              <a:buNone/>
+            </a:pPr>
+            <a:endParaRPr lang="fr-FR" altLang="fr-FR" u="sng" dirty="0">
+              <a:ea typeface="ＭＳ Ｐゴシック" panose="020B0600070205080204" pitchFamily="34" charset="-128"/>
+            </a:endParaRPr>
+          </a:p>
+        </p:txBody>
+      </p:sp>
+      <p:sp>
+        <p:nvSpPr>
+          <p:cNvPr id="2" name="Espace réservé du numéro de diapositive 1">
+            <a:extLst>
+              <a:ext uri="{FF2B5EF4-FFF2-40B4-BE49-F238E27FC236}">
+                <a16:creationId xmlns:a16="http://schemas.microsoft.com/office/drawing/2014/main" id="{DCD75088-0863-48E7-808D-55EE80351927}"/>
+              </a:ext>
+            </a:extLst>
+          </p:cNvPr>
+          <p:cNvSpPr>
+            <a:spLocks noGrp="1"/>
+          </p:cNvSpPr>
+          <p:nvPr>
+            <p:ph type="sldNum" sz="quarter" idx="10"/>
+          </p:nvPr>
+        </p:nvSpPr>
+        <p:spPr>
+          <a:xfrm>
+            <a:off x="7010400" y="6583362"/>
+            <a:ext cx="2133600" cy="365125"/>
+          </a:xfrm>
+        </p:spPr>
+        <p:txBody>
+          <a:bodyPr/>
+          <a:lstStyle/>
+          <a:p>
+            <a:pPr>
+              <a:defRPr/>
+            </a:pPr>
+            <a:r>
+              <a:rPr lang="en-US" dirty="0">
+                <a:solidFill>
+                  <a:schemeClr val="bg1"/>
+                </a:solidFill>
+              </a:rPr>
+              <a:t>12</a:t>
+            </a:r>
+          </a:p>
+        </p:txBody>
+      </p:sp>
+    </p:spTree>
+    <p:extLst>
+      <p:ext uri="{BB962C8B-B14F-4D97-AF65-F5344CB8AC3E}">
+        <p14:creationId xmlns:p14="http://schemas.microsoft.com/office/powerpoint/2010/main" val="1504505779"/>
       </p:ext>
     </p:extLst>
   </p:cSld>
@@ -7135,22 +7195,79 @@
           <a:lstStyle/>
           <a:p>
             <a:r>
-              <a:rPr lang="en-US" altLang="fr-FR" dirty="0">
+              <a:rPr lang="fr-FR" altLang="fr-FR" b="1" u="sng" dirty="0" err="1">
                 <a:ea typeface="ＭＳ Ｐゴシック" panose="020B0600070205080204" pitchFamily="34" charset="-128"/>
               </a:rPr>
-              <a:t>”</a:t>
-            </a:r>
-            <a:r>
-              <a:rPr lang="en-US" dirty="0"/>
-              <a:t>Which Internet of Things architecture is adapted for an evolving solution where the connected objects are growing day by day ? </a:t>
-            </a:r>
-            <a:r>
-              <a:rPr lang="en-US" altLang="fr-FR" dirty="0">
+              <a:t>Scalability</a:t>
+            </a:r>
+            <a:r>
+              <a:rPr lang="fr-FR" altLang="fr-FR" b="1" u="sng" dirty="0">
                 <a:ea typeface="ＭＳ Ｐゴシック" panose="020B0600070205080204" pitchFamily="34" charset="-128"/>
               </a:rPr>
-              <a:t>”</a:t>
-            </a:r>
-            <a:endParaRPr lang="en-US" dirty="0"/>
+              <a:t> :</a:t>
+            </a:r>
+            <a:r>
+              <a:rPr lang="fr-FR" altLang="fr-FR" b="1" dirty="0">
+                <a:ea typeface="ＭＳ Ｐゴシック" panose="020B0600070205080204" pitchFamily="34" charset="-128"/>
+              </a:rPr>
+              <a:t> </a:t>
+            </a:r>
+          </a:p>
+          <a:p>
+            <a:pPr marL="457200" indent="-457200">
+              <a:buFont typeface="Arial" panose="020B0604020202020204" pitchFamily="34" charset="0"/>
+              <a:buChar char="•"/>
+            </a:pPr>
+            <a:r>
+              <a:rPr lang="fr-BE" dirty="0"/>
+              <a:t>Hardware </a:t>
+            </a:r>
+            <a:r>
+              <a:rPr lang="fr-BE" dirty="0" err="1"/>
+              <a:t>scalability</a:t>
+            </a:r>
+            <a:r>
+              <a:rPr lang="fr-BE" dirty="0"/>
+              <a:t> </a:t>
+            </a:r>
+          </a:p>
+          <a:p>
+            <a:pPr marL="457200" indent="-457200">
+              <a:buFont typeface="Arial" panose="020B0604020202020204" pitchFamily="34" charset="0"/>
+              <a:buChar char="•"/>
+            </a:pPr>
+            <a:endParaRPr lang="fr-BE" dirty="0"/>
+          </a:p>
+          <a:p>
+            <a:pPr marL="457200" indent="-457200">
+              <a:buFont typeface="Arial" panose="020B0604020202020204" pitchFamily="34" charset="0"/>
+              <a:buChar char="•"/>
+            </a:pPr>
+            <a:endParaRPr lang="fr-BE" dirty="0"/>
+          </a:p>
+          <a:p>
+            <a:pPr marL="457200" indent="-457200">
+              <a:buFont typeface="Arial" panose="020B0604020202020204" pitchFamily="34" charset="0"/>
+              <a:buChar char="•"/>
+            </a:pPr>
+            <a:endParaRPr lang="fr-BE" dirty="0"/>
+          </a:p>
+          <a:p>
+            <a:pPr marL="457200" indent="-457200">
+              <a:buFont typeface="Arial" panose="020B0604020202020204" pitchFamily="34" charset="0"/>
+              <a:buChar char="•"/>
+            </a:pPr>
+            <a:endParaRPr lang="fr-BE" dirty="0"/>
+          </a:p>
+          <a:p>
+            <a:pPr marL="457200" indent="-457200">
+              <a:buFont typeface="Arial" panose="020B0604020202020204" pitchFamily="34" charset="0"/>
+              <a:buChar char="•"/>
+            </a:pPr>
+            <a:endParaRPr lang="fr-BE" dirty="0"/>
+          </a:p>
+          <a:p>
+            <a:endParaRPr lang="fr-BE" dirty="0"/>
           </a:p>
           <a:p>
             <a:endParaRPr lang="fr-FR" altLang="fr-FR" u="sng" dirty="0">
@@ -7158,82 +7275,7 @@
             </a:endParaRPr>
           </a:p>
           <a:p>
-            <a:pPr eaLnBrk="1" hangingPunct="1">
-              <a:buFont typeface="Arial" panose="020B0604020202020204" pitchFamily="34" charset="0"/>
-              <a:buNone/>
-            </a:pPr>
-            <a:r>
-              <a:rPr lang="fr-FR" altLang="fr-FR" u="sng" dirty="0">
-                <a:ea typeface="ＭＳ Ｐゴシック" panose="020B0600070205080204" pitchFamily="34" charset="-128"/>
-              </a:rPr>
-              <a:t>Aspects:</a:t>
-            </a:r>
-          </a:p>
-          <a:p>
-            <a:pPr marL="457200" indent="-457200" eaLnBrk="1" hangingPunct="1">
-              <a:buFont typeface="Arial" panose="020B0604020202020204" pitchFamily="34" charset="0"/>
-              <a:buChar char="•"/>
-            </a:pPr>
-            <a:r>
-              <a:rPr lang="fr-FR" altLang="fr-FR" dirty="0" err="1">
-                <a:ea typeface="ＭＳ Ｐゴシック" panose="020B0600070205080204" pitchFamily="34" charset="-128"/>
-              </a:rPr>
-              <a:t>Scalability</a:t>
-            </a:r>
-            <a:endParaRPr lang="fr-FR" altLang="fr-FR" dirty="0">
-              <a:ea typeface="ＭＳ Ｐゴシック" panose="020B0600070205080204" pitchFamily="34" charset="-128"/>
-            </a:endParaRPr>
-          </a:p>
-          <a:p>
-            <a:pPr marL="457200" indent="-457200" eaLnBrk="1" hangingPunct="1">
-              <a:buFont typeface="Arial" panose="020B0604020202020204" pitchFamily="34" charset="0"/>
-              <a:buChar char="•"/>
-            </a:pPr>
-            <a:r>
-              <a:rPr lang="fr-FR" altLang="fr-FR" dirty="0" err="1">
-                <a:ea typeface="ＭＳ Ｐゴシック" panose="020B0600070205080204" pitchFamily="34" charset="-128"/>
-              </a:rPr>
-              <a:t>Reliability</a:t>
-            </a:r>
-            <a:endParaRPr lang="fr-FR" altLang="fr-FR" dirty="0">
-              <a:ea typeface="ＭＳ Ｐゴシック" panose="020B0600070205080204" pitchFamily="34" charset="-128"/>
-            </a:endParaRPr>
-          </a:p>
-          <a:p>
-            <a:pPr marL="457200" indent="-457200" eaLnBrk="1" hangingPunct="1">
-              <a:buFont typeface="Arial" panose="020B0604020202020204" pitchFamily="34" charset="0"/>
-              <a:buChar char="•"/>
-            </a:pPr>
-            <a:r>
-              <a:rPr lang="fr-FR" altLang="fr-FR" dirty="0" err="1">
-                <a:ea typeface="ＭＳ Ｐゴシック" panose="020B0600070205080204" pitchFamily="34" charset="-128"/>
-              </a:rPr>
-              <a:t>Monitorability</a:t>
-            </a:r>
-            <a:endParaRPr lang="fr-FR" altLang="fr-FR" dirty="0">
-              <a:ea typeface="ＭＳ Ｐゴシック" panose="020B0600070205080204" pitchFamily="34" charset="-128"/>
-            </a:endParaRPr>
-          </a:p>
-          <a:p>
-            <a:pPr marL="457200" indent="-457200" eaLnBrk="1" hangingPunct="1">
-              <a:buFont typeface="Arial" panose="020B0604020202020204" pitchFamily="34" charset="0"/>
-              <a:buChar char="•"/>
-            </a:pPr>
-            <a:r>
-              <a:rPr lang="fr-FR" altLang="fr-FR" dirty="0" err="1">
-                <a:ea typeface="ＭＳ Ｐゴシック" panose="020B0600070205080204" pitchFamily="34" charset="-128"/>
-              </a:rPr>
-              <a:t>Extensibility</a:t>
-            </a:r>
-            <a:endParaRPr lang="fr-FR" altLang="fr-FR" dirty="0">
-              <a:ea typeface="ＭＳ Ｐゴシック" panose="020B0600070205080204" pitchFamily="34" charset="-128"/>
-            </a:endParaRPr>
-          </a:p>
-          <a:p>
-            <a:pPr eaLnBrk="1" hangingPunct="1">
-              <a:buFont typeface="Arial" panose="020B0604020202020204" pitchFamily="34" charset="0"/>
-              <a:buNone/>
-            </a:pPr>
+            <a:pPr eaLnBrk="1" hangingPunct="1"/>
             <a:endParaRPr lang="fr-FR" altLang="fr-FR" u="sng" dirty="0">
               <a:ea typeface="ＭＳ Ｐゴシック" panose="020B0600070205080204" pitchFamily="34" charset="-128"/>
             </a:endParaRPr>
@@ -7285,252 +7327,6 @@
                 </a:solidFill>
               </a:rPr>
               <a:t>13</a:t>
-            </a:r>
-          </a:p>
-        </p:txBody>
-      </p:sp>
-    </p:spTree>
-    <p:extLst>
-      <p:ext uri="{BB962C8B-B14F-4D97-AF65-F5344CB8AC3E}">
-        <p14:creationId xmlns:p14="http://schemas.microsoft.com/office/powerpoint/2010/main" val="1504505779"/>
-      </p:ext>
-    </p:extLst>
-  </p:cSld>
-  <p:clrMapOvr>
-    <a:masterClrMapping/>
-  </p:clrMapOvr>
-</p:sld>
-</file>
-
-<file path=ppt/slides/slide19.xml><?xml version="1.0" encoding="utf-8"?>
-<p:sld xmlns:a="http://purl.oclc.org/ooxml/drawingml/main" xmlns:r="http://purl.oclc.org/ooxml/officeDocument/relationships" xmlns:p="http://purl.oclc.org/ooxml/presentationml/main">
-  <p:cSld>
-    <p:spTree>
-      <p:nvGrpSpPr>
-        <p:cNvPr id="1" name=""/>
-        <p:cNvGrpSpPr/>
-        <p:nvPr/>
-      </p:nvGrpSpPr>
-      <p:grpSpPr>
-        <a:xfrm>
-          <a:off x="0" y="0"/>
-          <a:ext cx="0" cy="0"/>
-          <a:chOff x="0" y="0"/>
-          <a:chExt cx="0" cy="0"/>
-        </a:xfrm>
-      </p:grpSpPr>
-      <p:sp>
-        <p:nvSpPr>
-          <p:cNvPr id="9218" name="Titre 1"/>
-          <p:cNvSpPr>
-            <a:spLocks noGrp="1"/>
-          </p:cNvSpPr>
-          <p:nvPr>
-            <p:ph type="title"/>
-          </p:nvPr>
-        </p:nvSpPr>
-        <p:spPr bwMode="auto">
-          <a:noFill/>
-          <a:extLst>
-            <a:ext uri="{909E8E84-426E-40DD-AFC4-6F175D3DCCD1}">
-              <a14:hiddenFill xmlns:a14="http://schemas.microsoft.com/office/drawing/2010/main">
-                <a:solidFill>
-                  <a:srgbClr val="FFFFFF"/>
-                </a:solidFill>
-              </a14:hiddenFill>
-            </a:ext>
-            <a:ext uri="{91240B29-F687-4F45-9708-019B960494DF}">
-              <a14:hiddenLine xmlns:a14="http://schemas.microsoft.com/office/drawing/2010/main" w="9525">
-                <a:solidFill>
-                  <a:srgbClr val="000000"/>
-                </a:solidFill>
-                <a:miter lim="800%"/>
-                <a:headEnd/>
-                <a:tailEnd/>
-              </a14:hiddenLine>
-            </a:ext>
-          </a:extLst>
-        </p:spPr>
-        <p:txBody>
-          <a:bodyPr vert="horz" wrap="square" lIns="91440" tIns="45720" rIns="91440" bIns="45720" numCol="1" anchor="t" anchorCtr="0" compatLnSpc="1">
-            <a:prstTxWarp prst="textNoShape">
-              <a:avLst/>
-            </a:prstTxWarp>
-          </a:bodyPr>
-          <a:lstStyle/>
-          <a:p>
-            <a:pPr algn="ctr" eaLnBrk="1" hangingPunct="1"/>
-            <a:r>
-              <a:rPr lang="fr-FR" sz="3600" dirty="0" err="1">
-                <a:latin typeface="Verdana" charset="0"/>
-                <a:cs typeface="Verdana" charset="0"/>
-              </a:rPr>
-              <a:t>Problematisation</a:t>
-            </a:r>
-            <a:endParaRPr lang="fr-FR" altLang="fr-FR" sz="3600" dirty="0">
-              <a:latin typeface="Verdana" panose="020B0604030504040204" pitchFamily="34" charset="0"/>
-              <a:ea typeface="ＭＳ Ｐゴシック" panose="020B0600070205080204" pitchFamily="34" charset="-128"/>
-            </a:endParaRPr>
-          </a:p>
-        </p:txBody>
-      </p:sp>
-      <p:sp>
-        <p:nvSpPr>
-          <p:cNvPr id="3" name="Espace réservé du contenu 2"/>
-          <p:cNvSpPr>
-            <a:spLocks noGrp="1"/>
-          </p:cNvSpPr>
-          <p:nvPr>
-            <p:ph idx="1"/>
-          </p:nvPr>
-        </p:nvSpPr>
-        <p:spPr>
-          <a:xfrm>
-            <a:off x="457200" y="1166018"/>
-            <a:ext cx="8229600" cy="5215928"/>
-          </a:xfrm>
-        </p:spPr>
-        <p:txBody>
-          <a:bodyPr vert="horz" wrap="square" lIns="91440" tIns="45720" rIns="91440" bIns="45720" numCol="1" anchor="t" anchorCtr="0" compatLnSpc="1">
-            <a:prstTxWarp prst="textNoShape">
-              <a:avLst/>
-            </a:prstTxWarp>
-          </a:bodyPr>
-          <a:lstStyle/>
-          <a:p>
-            <a:r>
-              <a:rPr lang="fr-FR" altLang="fr-FR" b="1" u="sng" dirty="0" err="1">
-                <a:ea typeface="ＭＳ Ｐゴシック" panose="020B0600070205080204" pitchFamily="34" charset="-128"/>
-              </a:rPr>
-              <a:t>Scalability</a:t>
-            </a:r>
-            <a:r>
-              <a:rPr lang="fr-FR" altLang="fr-FR" b="1" u="sng" dirty="0">
-                <a:ea typeface="ＭＳ Ｐゴシック" panose="020B0600070205080204" pitchFamily="34" charset="-128"/>
-              </a:rPr>
-              <a:t> :</a:t>
-            </a:r>
-            <a:r>
-              <a:rPr lang="fr-FR" altLang="fr-FR" b="1" dirty="0">
-                <a:ea typeface="ＭＳ Ｐゴシック" panose="020B0600070205080204" pitchFamily="34" charset="-128"/>
-              </a:rPr>
-              <a:t> </a:t>
-            </a:r>
-          </a:p>
-          <a:p>
-            <a:pPr marL="457200" indent="-457200">
-              <a:buFont typeface="Arial" panose="020B0604020202020204" pitchFamily="34" charset="0"/>
-              <a:buChar char="•"/>
-            </a:pPr>
-            <a:r>
-              <a:rPr lang="fr-BE" dirty="0"/>
-              <a:t>Hardware </a:t>
-            </a:r>
-            <a:r>
-              <a:rPr lang="fr-BE" dirty="0" err="1"/>
-              <a:t>scalability</a:t>
-            </a:r>
-            <a:r>
-              <a:rPr lang="fr-BE" dirty="0"/>
-              <a:t> </a:t>
-            </a:r>
-          </a:p>
-          <a:p>
-            <a:pPr marL="457200" indent="-457200">
-              <a:buFont typeface="Arial" panose="020B0604020202020204" pitchFamily="34" charset="0"/>
-              <a:buChar char="•"/>
-            </a:pPr>
-            <a:endParaRPr lang="fr-BE" dirty="0"/>
-          </a:p>
-          <a:p>
-            <a:pPr marL="457200" indent="-457200">
-              <a:buFont typeface="Arial" panose="020B0604020202020204" pitchFamily="34" charset="0"/>
-              <a:buChar char="•"/>
-            </a:pPr>
-            <a:endParaRPr lang="fr-BE" dirty="0"/>
-          </a:p>
-          <a:p>
-            <a:pPr marL="457200" indent="-457200">
-              <a:buFont typeface="Arial" panose="020B0604020202020204" pitchFamily="34" charset="0"/>
-              <a:buChar char="•"/>
-            </a:pPr>
-            <a:endParaRPr lang="fr-BE" dirty="0"/>
-          </a:p>
-          <a:p>
-            <a:pPr marL="457200" indent="-457200">
-              <a:buFont typeface="Arial" panose="020B0604020202020204" pitchFamily="34" charset="0"/>
-              <a:buChar char="•"/>
-            </a:pPr>
-            <a:endParaRPr lang="fr-BE" dirty="0"/>
-          </a:p>
-          <a:p>
-            <a:pPr marL="457200" indent="-457200">
-              <a:buFont typeface="Arial" panose="020B0604020202020204" pitchFamily="34" charset="0"/>
-              <a:buChar char="•"/>
-            </a:pPr>
-            <a:endParaRPr lang="fr-BE" dirty="0"/>
-          </a:p>
-          <a:p>
-            <a:endParaRPr lang="fr-BE" dirty="0"/>
-          </a:p>
-          <a:p>
-            <a:endParaRPr lang="fr-FR" altLang="fr-FR" u="sng" dirty="0">
-              <a:ea typeface="ＭＳ Ｐゴシック" panose="020B0600070205080204" pitchFamily="34" charset="-128"/>
-            </a:endParaRPr>
-          </a:p>
-          <a:p>
-            <a:pPr eaLnBrk="1" hangingPunct="1"/>
-            <a:endParaRPr lang="fr-FR" altLang="fr-FR" u="sng" dirty="0">
-              <a:ea typeface="ＭＳ Ｐゴシック" panose="020B0600070205080204" pitchFamily="34" charset="-128"/>
-            </a:endParaRPr>
-          </a:p>
-          <a:p>
-            <a:pPr eaLnBrk="1" hangingPunct="1">
-              <a:buFont typeface="Arial" panose="020B0604020202020204" pitchFamily="34" charset="0"/>
-              <a:buNone/>
-            </a:pPr>
-            <a:endParaRPr lang="fr-FR" altLang="fr-FR" u="sng" dirty="0">
-              <a:ea typeface="ＭＳ Ｐゴシック" panose="020B0600070205080204" pitchFamily="34" charset="-128"/>
-            </a:endParaRPr>
-          </a:p>
-        </p:txBody>
-      </p:sp>
-      <p:sp>
-        <p:nvSpPr>
-          <p:cNvPr id="2" name="Espace réservé du numéro de diapositive 1">
-            <a:extLst>
-              <a:ext uri="{FF2B5EF4-FFF2-40B4-BE49-F238E27FC236}">
-                <a16:creationId xmlns:a16="http://schemas.microsoft.com/office/drawing/2014/main" id="{DCD75088-0863-48E7-808D-55EE80351927}"/>
-              </a:ext>
-            </a:extLst>
-          </p:cNvPr>
-          <p:cNvSpPr>
-            <a:spLocks noGrp="1"/>
-          </p:cNvSpPr>
-          <p:nvPr>
-            <p:ph type="sldNum" sz="quarter" idx="10"/>
-          </p:nvPr>
-        </p:nvSpPr>
-        <p:spPr>
-          <a:xfrm>
-            <a:off x="7010400" y="6583362"/>
-            <a:ext cx="2133600" cy="365125"/>
-          </a:xfrm>
-        </p:spPr>
-        <p:txBody>
-          <a:bodyPr/>
-          <a:lstStyle/>
-          <a:p>
-            <a:pPr>
-              <a:defRPr/>
-            </a:pPr>
-            <a:r>
-              <a:rPr lang="en-US" dirty="0">
-                <a:solidFill>
-                  <a:schemeClr val="bg1"/>
-                </a:solidFill>
-              </a:rPr>
-              <a:t>14</a:t>
             </a:r>
           </a:p>
         </p:txBody>
@@ -7578,7 +7374,7 @@
 </p:sld>
 </file>
 
-<file path=ppt/slides/slide2.xml><?xml version="1.0" encoding="utf-8"?>
+<file path=ppt/slides/slide19.xml><?xml version="1.0" encoding="utf-8"?>
 <p:sld xmlns:a="http://purl.oclc.org/ooxml/drawingml/main" xmlns:r="http://purl.oclc.org/ooxml/officeDocument/relationships" xmlns:p="http://purl.oclc.org/ooxml/presentationml/main">
   <p:cSld>
     <p:spTree>
@@ -7637,238 +7433,6 @@
           <a:p>
             <a:pPr algn="ctr" eaLnBrk="1" hangingPunct="1"/>
             <a:r>
-              <a:rPr lang="fr-FR" altLang="fr-FR" sz="3600" dirty="0">
-                <a:latin typeface="Verdana" panose="020B0604030504040204" pitchFamily="34" charset="0"/>
-                <a:ea typeface="ＭＳ Ｐゴシック" panose="020B0600070205080204" pitchFamily="34" charset="-128"/>
-              </a:rPr>
-              <a:t>Contents</a:t>
-            </a:r>
-          </a:p>
-        </p:txBody>
-      </p:sp>
-      <p:sp>
-        <p:nvSpPr>
-          <p:cNvPr id="3" name="Espace réservé du contenu 2"/>
-          <p:cNvSpPr>
-            <a:spLocks noGrp="1"/>
-          </p:cNvSpPr>
-          <p:nvPr>
-            <p:ph idx="1"/>
-          </p:nvPr>
-        </p:nvSpPr>
-        <p:spPr/>
-        <p:txBody>
-          <a:bodyPr vert="horz" wrap="square" lIns="91440" tIns="45720" rIns="91440" bIns="45720" numCol="1" anchor="t" anchorCtr="0" compatLnSpc="1">
-            <a:prstTxWarp prst="textNoShape">
-              <a:avLst/>
-            </a:prstTxWarp>
-          </a:bodyPr>
-          <a:lstStyle/>
-          <a:p>
-            <a:pPr marL="514350" indent="-514350" eaLnBrk="1" hangingPunct="1">
-              <a:buFont typeface="Arial" panose="020B0604020202020204" pitchFamily="34" charset="0"/>
-              <a:buAutoNum type="arabicPeriod"/>
-            </a:pPr>
-            <a:r>
-              <a:rPr lang="fr-FR" altLang="fr-FR" dirty="0">
-                <a:ea typeface="ＭＳ Ｐゴシック" panose="020B0600070205080204" pitchFamily="34" charset="-128"/>
-              </a:rPr>
-              <a:t>Introduction</a:t>
-            </a:r>
-          </a:p>
-          <a:p>
-            <a:pPr marL="514350" indent="-514350" eaLnBrk="1" hangingPunct="1">
-              <a:buFont typeface="Arial" panose="020B0604020202020204" pitchFamily="34" charset="0"/>
-              <a:buAutoNum type="arabicPeriod"/>
-            </a:pPr>
-            <a:r>
-              <a:rPr lang="fr-FR" altLang="fr-FR" dirty="0" err="1">
-                <a:ea typeface="ＭＳ Ｐゴシック" panose="020B0600070205080204" pitchFamily="34" charset="-128"/>
-              </a:rPr>
-              <a:t>Complex</a:t>
-            </a:r>
-            <a:r>
-              <a:rPr lang="fr-FR" altLang="fr-FR" dirty="0">
-                <a:ea typeface="ＭＳ Ｐゴシック" panose="020B0600070205080204" pitchFamily="34" charset="-128"/>
-              </a:rPr>
-              <a:t> Event </a:t>
-            </a:r>
-            <a:r>
-              <a:rPr lang="fr-FR" altLang="fr-FR" dirty="0" err="1">
-                <a:ea typeface="ＭＳ Ｐゴシック" panose="020B0600070205080204" pitchFamily="34" charset="-128"/>
-              </a:rPr>
-              <a:t>Processing</a:t>
-            </a:r>
-            <a:endParaRPr lang="fr-FR" altLang="fr-FR" dirty="0">
-              <a:ea typeface="ＭＳ Ｐゴシック" panose="020B0600070205080204" pitchFamily="34" charset="-128"/>
-            </a:endParaRPr>
-          </a:p>
-          <a:p>
-            <a:pPr marL="514350" indent="-514350" eaLnBrk="1" hangingPunct="1">
-              <a:buFont typeface="Arial" panose="020B0604020202020204" pitchFamily="34" charset="0"/>
-              <a:buAutoNum type="arabicPeriod"/>
-            </a:pPr>
-            <a:r>
-              <a:rPr lang="fr-FR" altLang="fr-FR" dirty="0" err="1">
-                <a:ea typeface="ＭＳ Ｐゴシック" panose="020B0600070205080204" pitchFamily="34" charset="-128"/>
-              </a:rPr>
-              <a:t>Computing</a:t>
-            </a:r>
-            <a:r>
-              <a:rPr lang="fr-FR" altLang="fr-FR" dirty="0">
-                <a:ea typeface="ＭＳ Ｐゴシック" panose="020B0600070205080204" pitchFamily="34" charset="-128"/>
-              </a:rPr>
-              <a:t> Levels</a:t>
-            </a:r>
-          </a:p>
-          <a:p>
-            <a:pPr marL="514350" indent="-514350" eaLnBrk="1" hangingPunct="1">
-              <a:buFont typeface="Arial" panose="020B0604020202020204" pitchFamily="34" charset="0"/>
-              <a:buAutoNum type="arabicPeriod"/>
-            </a:pPr>
-            <a:r>
-              <a:rPr lang="fr-FR" altLang="fr-FR" dirty="0" err="1">
-                <a:ea typeface="ＭＳ Ｐゴシック" panose="020B0600070205080204" pitchFamily="34" charset="-128"/>
-              </a:rPr>
-              <a:t>Problematisation</a:t>
-            </a:r>
-            <a:endParaRPr lang="fr-FR" altLang="fr-FR" dirty="0">
-              <a:ea typeface="ＭＳ Ｐゴシック" panose="020B0600070205080204" pitchFamily="34" charset="-128"/>
-            </a:endParaRPr>
-          </a:p>
-          <a:p>
-            <a:pPr marL="514350" indent="-514350" eaLnBrk="1" hangingPunct="1">
-              <a:buFont typeface="Arial" panose="020B0604020202020204" pitchFamily="34" charset="0"/>
-              <a:buAutoNum type="arabicPeriod"/>
-            </a:pPr>
-            <a:r>
-              <a:rPr lang="fr-FR" altLang="fr-FR" dirty="0">
-                <a:ea typeface="ＭＳ Ｐゴシック" panose="020B0600070205080204" pitchFamily="34" charset="-128"/>
-              </a:rPr>
-              <a:t>Conclusion</a:t>
-            </a:r>
-          </a:p>
-          <a:p>
-            <a:pPr marL="514350" indent="-514350" eaLnBrk="1" hangingPunct="1">
-              <a:buFont typeface="Arial" panose="020B0604020202020204" pitchFamily="34" charset="0"/>
-              <a:buAutoNum type="arabicPeriod"/>
-            </a:pPr>
-            <a:r>
-              <a:rPr lang="fr-FR" altLang="fr-FR" dirty="0">
-                <a:ea typeface="ＭＳ Ｐゴシック" panose="020B0600070205080204" pitchFamily="34" charset="-128"/>
-              </a:rPr>
-              <a:t>Questions</a:t>
-            </a:r>
-          </a:p>
-        </p:txBody>
-      </p:sp>
-      <p:sp>
-        <p:nvSpPr>
-          <p:cNvPr id="2" name="Espace réservé du numéro de diapositive 1">
-            <a:extLst>
-              <a:ext uri="{FF2B5EF4-FFF2-40B4-BE49-F238E27FC236}">
-                <a16:creationId xmlns:a16="http://schemas.microsoft.com/office/drawing/2014/main" id="{5C4BFE23-B3F5-4A6E-8883-654833289F91}"/>
-              </a:ext>
-            </a:extLst>
-          </p:cNvPr>
-          <p:cNvSpPr>
-            <a:spLocks noGrp="1"/>
-          </p:cNvSpPr>
-          <p:nvPr>
-            <p:ph type="sldNum" sz="quarter" idx="10"/>
-          </p:nvPr>
-        </p:nvSpPr>
-        <p:spPr>
-          <a:xfrm>
-            <a:off x="7010400" y="6536639"/>
-            <a:ext cx="2133600" cy="365125"/>
-          </a:xfrm>
-        </p:spPr>
-        <p:txBody>
-          <a:bodyPr/>
-          <a:lstStyle/>
-          <a:p>
-            <a:pPr>
-              <a:defRPr/>
-            </a:pPr>
-            <a:r>
-              <a:rPr lang="en-US" dirty="0">
-                <a:solidFill>
-                  <a:schemeClr val="bg1"/>
-                </a:solidFill>
-              </a:rPr>
-              <a:t>1</a:t>
-            </a:r>
-          </a:p>
-        </p:txBody>
-      </p:sp>
-    </p:spTree>
-  </p:cSld>
-  <p:clrMapOvr>
-    <a:masterClrMapping/>
-  </p:clrMapOvr>
-</p:sld>
-</file>
-
-<file path=ppt/slides/slide20.xml><?xml version="1.0" encoding="utf-8"?>
-<p:sld xmlns:a="http://purl.oclc.org/ooxml/drawingml/main" xmlns:r="http://purl.oclc.org/ooxml/officeDocument/relationships" xmlns:p="http://purl.oclc.org/ooxml/presentationml/main">
-  <p:cSld>
-    <p:spTree>
-      <p:nvGrpSpPr>
-        <p:cNvPr id="1" name=""/>
-        <p:cNvGrpSpPr/>
-        <p:nvPr/>
-      </p:nvGrpSpPr>
-      <p:grpSpPr>
-        <a:xfrm>
-          <a:off x="0" y="0"/>
-          <a:ext cx="0" cy="0"/>
-          <a:chOff x="0" y="0"/>
-          <a:chExt cx="0" cy="0"/>
-        </a:xfrm>
-      </p:grpSpPr>
-      <p:sp>
-        <p:nvSpPr>
-          <p:cNvPr id="9218" name="Titre 1"/>
-          <p:cNvSpPr>
-            <a:spLocks noGrp="1"/>
-          </p:cNvSpPr>
-          <p:nvPr>
-            <p:ph type="title"/>
-          </p:nvPr>
-        </p:nvSpPr>
-        <p:spPr bwMode="auto">
-          <a:noFill/>
-          <a:extLst>
-            <a:ext uri="{909E8E84-426E-40DD-AFC4-6F175D3DCCD1}">
-              <a14:hiddenFill xmlns:a14="http://schemas.microsoft.com/office/drawing/2010/main">
-                <a:solidFill>
-                  <a:srgbClr val="FFFFFF"/>
-                </a:solidFill>
-              </a14:hiddenFill>
-            </a:ext>
-            <a:ext uri="{91240B29-F687-4F45-9708-019B960494DF}">
-              <a14:hiddenLine xmlns:a14="http://schemas.microsoft.com/office/drawing/2010/main" w="9525">
-                <a:solidFill>
-                  <a:srgbClr val="000000"/>
-                </a:solidFill>
-                <a:miter lim="800%"/>
-                <a:headEnd/>
-                <a:tailEnd/>
-              </a14:hiddenLine>
-            </a:ext>
-          </a:extLst>
-        </p:spPr>
-        <p:txBody>
-          <a:bodyPr vert="horz" wrap="square" lIns="91440" tIns="45720" rIns="91440" bIns="45720" numCol="1" anchor="t" anchorCtr="0" compatLnSpc="1">
-            <a:prstTxWarp prst="textNoShape">
-              <a:avLst/>
-            </a:prstTxWarp>
-          </a:bodyPr>
-          <a:lstStyle/>
-          <a:p>
-            <a:pPr algn="ctr" eaLnBrk="1" hangingPunct="1"/>
-            <a:r>
               <a:rPr lang="fr-FR" sz="3600" dirty="0" err="1">
                 <a:latin typeface="Verdana" charset="0"/>
                 <a:cs typeface="Verdana" charset="0"/>
@@ -8038,7 +7602,7 @@
                   <a:schemeClr val="bg1"/>
                 </a:solidFill>
               </a:rPr>
-              <a:t>15</a:t>
+              <a:t>14</a:t>
             </a:r>
           </a:p>
         </p:txBody>
@@ -8085,7 +7649,7 @@
 </p:sld>
 </file>
 
-<file path=ppt/slides/slide21.xml><?xml version="1.0" encoding="utf-8"?>
+<file path=ppt/slides/slide2.xml><?xml version="1.0" encoding="utf-8"?>
 <p:sld xmlns:a="http://purl.oclc.org/ooxml/drawingml/main" xmlns:r="http://purl.oclc.org/ooxml/officeDocument/relationships" xmlns:p="http://purl.oclc.org/ooxml/presentationml/main">
   <p:cSld>
     <p:spTree>
@@ -8144,6 +7708,238 @@
           <a:p>
             <a:pPr algn="ctr" eaLnBrk="1" hangingPunct="1"/>
             <a:r>
+              <a:rPr lang="fr-FR" altLang="fr-FR" sz="3600" dirty="0">
+                <a:latin typeface="Verdana" panose="020B0604030504040204" pitchFamily="34" charset="0"/>
+                <a:ea typeface="ＭＳ Ｐゴシック" panose="020B0600070205080204" pitchFamily="34" charset="-128"/>
+              </a:rPr>
+              <a:t>Contents</a:t>
+            </a:r>
+          </a:p>
+        </p:txBody>
+      </p:sp>
+      <p:sp>
+        <p:nvSpPr>
+          <p:cNvPr id="3" name="Espace réservé du contenu 2"/>
+          <p:cNvSpPr>
+            <a:spLocks noGrp="1"/>
+          </p:cNvSpPr>
+          <p:nvPr>
+            <p:ph idx="1"/>
+          </p:nvPr>
+        </p:nvSpPr>
+        <p:spPr/>
+        <p:txBody>
+          <a:bodyPr vert="horz" wrap="square" lIns="91440" tIns="45720" rIns="91440" bIns="45720" numCol="1" anchor="t" anchorCtr="0" compatLnSpc="1">
+            <a:prstTxWarp prst="textNoShape">
+              <a:avLst/>
+            </a:prstTxWarp>
+          </a:bodyPr>
+          <a:lstStyle/>
+          <a:p>
+            <a:pPr marL="514350" indent="-514350" eaLnBrk="1" hangingPunct="1">
+              <a:buFont typeface="Arial" panose="020B0604020202020204" pitchFamily="34" charset="0"/>
+              <a:buAutoNum type="arabicPeriod"/>
+            </a:pPr>
+            <a:r>
+              <a:rPr lang="fr-FR" altLang="fr-FR" dirty="0">
+                <a:ea typeface="ＭＳ Ｐゴシック" panose="020B0600070205080204" pitchFamily="34" charset="-128"/>
+              </a:rPr>
+              <a:t>Introduction</a:t>
+            </a:r>
+          </a:p>
+          <a:p>
+            <a:pPr marL="514350" indent="-514350" eaLnBrk="1" hangingPunct="1">
+              <a:buFont typeface="Arial" panose="020B0604020202020204" pitchFamily="34" charset="0"/>
+              <a:buAutoNum type="arabicPeriod"/>
+            </a:pPr>
+            <a:r>
+              <a:rPr lang="fr-FR" altLang="fr-FR" dirty="0" err="1">
+                <a:ea typeface="ＭＳ Ｐゴシック" panose="020B0600070205080204" pitchFamily="34" charset="-128"/>
+              </a:rPr>
+              <a:t>Complex</a:t>
+            </a:r>
+            <a:r>
+              <a:rPr lang="fr-FR" altLang="fr-FR" dirty="0">
+                <a:ea typeface="ＭＳ Ｐゴシック" panose="020B0600070205080204" pitchFamily="34" charset="-128"/>
+              </a:rPr>
+              <a:t> Event </a:t>
+            </a:r>
+            <a:r>
+              <a:rPr lang="fr-FR" altLang="fr-FR" dirty="0" err="1">
+                <a:ea typeface="ＭＳ Ｐゴシック" panose="020B0600070205080204" pitchFamily="34" charset="-128"/>
+              </a:rPr>
+              <a:t>Processing</a:t>
+            </a:r>
+            <a:endParaRPr lang="fr-FR" altLang="fr-FR" dirty="0">
+              <a:ea typeface="ＭＳ Ｐゴシック" panose="020B0600070205080204" pitchFamily="34" charset="-128"/>
+            </a:endParaRPr>
+          </a:p>
+          <a:p>
+            <a:pPr marL="514350" indent="-514350" eaLnBrk="1" hangingPunct="1">
+              <a:buFont typeface="Arial" panose="020B0604020202020204" pitchFamily="34" charset="0"/>
+              <a:buAutoNum type="arabicPeriod"/>
+            </a:pPr>
+            <a:r>
+              <a:rPr lang="fr-FR" altLang="fr-FR" dirty="0" err="1">
+                <a:ea typeface="ＭＳ Ｐゴシック" panose="020B0600070205080204" pitchFamily="34" charset="-128"/>
+              </a:rPr>
+              <a:t>Computing</a:t>
+            </a:r>
+            <a:r>
+              <a:rPr lang="fr-FR" altLang="fr-FR" dirty="0">
+                <a:ea typeface="ＭＳ Ｐゴシック" panose="020B0600070205080204" pitchFamily="34" charset="-128"/>
+              </a:rPr>
+              <a:t> Levels</a:t>
+            </a:r>
+          </a:p>
+          <a:p>
+            <a:pPr marL="514350" indent="-514350" eaLnBrk="1" hangingPunct="1">
+              <a:buFont typeface="Arial" panose="020B0604020202020204" pitchFamily="34" charset="0"/>
+              <a:buAutoNum type="arabicPeriod"/>
+            </a:pPr>
+            <a:r>
+              <a:rPr lang="fr-FR" altLang="fr-FR" dirty="0" err="1">
+                <a:ea typeface="ＭＳ Ｐゴシック" panose="020B0600070205080204" pitchFamily="34" charset="-128"/>
+              </a:rPr>
+              <a:t>Problematisation</a:t>
+            </a:r>
+            <a:endParaRPr lang="fr-FR" altLang="fr-FR" dirty="0">
+              <a:ea typeface="ＭＳ Ｐゴシック" panose="020B0600070205080204" pitchFamily="34" charset="-128"/>
+            </a:endParaRPr>
+          </a:p>
+          <a:p>
+            <a:pPr marL="514350" indent="-514350" eaLnBrk="1" hangingPunct="1">
+              <a:buFont typeface="Arial" panose="020B0604020202020204" pitchFamily="34" charset="0"/>
+              <a:buAutoNum type="arabicPeriod"/>
+            </a:pPr>
+            <a:r>
+              <a:rPr lang="fr-FR" altLang="fr-FR" dirty="0">
+                <a:ea typeface="ＭＳ Ｐゴシック" panose="020B0600070205080204" pitchFamily="34" charset="-128"/>
+              </a:rPr>
+              <a:t>Conclusion</a:t>
+            </a:r>
+          </a:p>
+          <a:p>
+            <a:pPr marL="514350" indent="-514350" eaLnBrk="1" hangingPunct="1">
+              <a:buFont typeface="Arial" panose="020B0604020202020204" pitchFamily="34" charset="0"/>
+              <a:buAutoNum type="arabicPeriod"/>
+            </a:pPr>
+            <a:r>
+              <a:rPr lang="fr-FR" altLang="fr-FR" dirty="0">
+                <a:ea typeface="ＭＳ Ｐゴシック" panose="020B0600070205080204" pitchFamily="34" charset="-128"/>
+              </a:rPr>
+              <a:t>Questions</a:t>
+            </a:r>
+          </a:p>
+        </p:txBody>
+      </p:sp>
+      <p:sp>
+        <p:nvSpPr>
+          <p:cNvPr id="2" name="Espace réservé du numéro de diapositive 1">
+            <a:extLst>
+              <a:ext uri="{FF2B5EF4-FFF2-40B4-BE49-F238E27FC236}">
+                <a16:creationId xmlns:a16="http://schemas.microsoft.com/office/drawing/2014/main" id="{5C4BFE23-B3F5-4A6E-8883-654833289F91}"/>
+              </a:ext>
+            </a:extLst>
+          </p:cNvPr>
+          <p:cNvSpPr>
+            <a:spLocks noGrp="1"/>
+          </p:cNvSpPr>
+          <p:nvPr>
+            <p:ph type="sldNum" sz="quarter" idx="10"/>
+          </p:nvPr>
+        </p:nvSpPr>
+        <p:spPr>
+          <a:xfrm>
+            <a:off x="7010400" y="6536639"/>
+            <a:ext cx="2133600" cy="365125"/>
+          </a:xfrm>
+        </p:spPr>
+        <p:txBody>
+          <a:bodyPr/>
+          <a:lstStyle/>
+          <a:p>
+            <a:pPr>
+              <a:defRPr/>
+            </a:pPr>
+            <a:r>
+              <a:rPr lang="en-US" dirty="0">
+                <a:solidFill>
+                  <a:schemeClr val="bg1"/>
+                </a:solidFill>
+              </a:rPr>
+              <a:t>1</a:t>
+            </a:r>
+          </a:p>
+        </p:txBody>
+      </p:sp>
+    </p:spTree>
+  </p:cSld>
+  <p:clrMapOvr>
+    <a:masterClrMapping/>
+  </p:clrMapOvr>
+</p:sld>
+</file>
+
+<file path=ppt/slides/slide20.xml><?xml version="1.0" encoding="utf-8"?>
+<p:sld xmlns:a="http://purl.oclc.org/ooxml/drawingml/main" xmlns:r="http://purl.oclc.org/ooxml/officeDocument/relationships" xmlns:p="http://purl.oclc.org/ooxml/presentationml/main">
+  <p:cSld>
+    <p:spTree>
+      <p:nvGrpSpPr>
+        <p:cNvPr id="1" name=""/>
+        <p:cNvGrpSpPr/>
+        <p:nvPr/>
+      </p:nvGrpSpPr>
+      <p:grpSpPr>
+        <a:xfrm>
+          <a:off x="0" y="0"/>
+          <a:ext cx="0" cy="0"/>
+          <a:chOff x="0" y="0"/>
+          <a:chExt cx="0" cy="0"/>
+        </a:xfrm>
+      </p:grpSpPr>
+      <p:sp>
+        <p:nvSpPr>
+          <p:cNvPr id="9218" name="Titre 1"/>
+          <p:cNvSpPr>
+            <a:spLocks noGrp="1"/>
+          </p:cNvSpPr>
+          <p:nvPr>
+            <p:ph type="title"/>
+          </p:nvPr>
+        </p:nvSpPr>
+        <p:spPr bwMode="auto">
+          <a:noFill/>
+          <a:extLst>
+            <a:ext uri="{909E8E84-426E-40DD-AFC4-6F175D3DCCD1}">
+              <a14:hiddenFill xmlns:a14="http://schemas.microsoft.com/office/drawing/2010/main">
+                <a:solidFill>
+                  <a:srgbClr val="FFFFFF"/>
+                </a:solidFill>
+              </a14:hiddenFill>
+            </a:ext>
+            <a:ext uri="{91240B29-F687-4F45-9708-019B960494DF}">
+              <a14:hiddenLine xmlns:a14="http://schemas.microsoft.com/office/drawing/2010/main" w="9525">
+                <a:solidFill>
+                  <a:srgbClr val="000000"/>
+                </a:solidFill>
+                <a:miter lim="800%"/>
+                <a:headEnd/>
+                <a:tailEnd/>
+              </a14:hiddenLine>
+            </a:ext>
+          </a:extLst>
+        </p:spPr>
+        <p:txBody>
+          <a:bodyPr vert="horz" wrap="square" lIns="91440" tIns="45720" rIns="91440" bIns="45720" numCol="1" anchor="t" anchorCtr="0" compatLnSpc="1">
+            <a:prstTxWarp prst="textNoShape">
+              <a:avLst/>
+            </a:prstTxWarp>
+          </a:bodyPr>
+          <a:lstStyle/>
+          <a:p>
+            <a:pPr algn="ctr" eaLnBrk="1" hangingPunct="1"/>
+            <a:r>
               <a:rPr lang="fr-FR" sz="3600" dirty="0" err="1">
                 <a:latin typeface="Verdana" charset="0"/>
                 <a:cs typeface="Verdana" charset="0"/>
@@ -8271,7 +8067,7 @@
                   <a:schemeClr val="bg1"/>
                 </a:solidFill>
               </a:rPr>
-              <a:t>16</a:t>
+              <a:t>15</a:t>
             </a:r>
           </a:p>
         </p:txBody>
@@ -8332,7 +8128,7 @@
 </p:sld>
 </file>
 
-<file path=ppt/slides/slide22.xml><?xml version="1.0" encoding="utf-8"?>
+<file path=ppt/slides/slide21.xml><?xml version="1.0" encoding="utf-8"?>
 <p:sld xmlns:a="http://purl.oclc.org/ooxml/drawingml/main" xmlns:r="http://purl.oclc.org/ooxml/officeDocument/relationships" xmlns:p="http://purl.oclc.org/ooxml/presentationml/main">
   <p:cSld>
     <p:spTree>
@@ -8494,7 +8290,7 @@
                   <a:schemeClr val="bg1"/>
                 </a:solidFill>
               </a:rPr>
-              <a:t>17</a:t>
+              <a:t>16</a:t>
             </a:r>
           </a:p>
         </p:txBody>
@@ -8542,7 +8338,7 @@
 </p:sld>
 </file>
 
-<file path=ppt/slides/slide23.xml><?xml version="1.0" encoding="utf-8"?>
+<file path=ppt/slides/slide22.xml><?xml version="1.0" encoding="utf-8"?>
 <p:sld xmlns:a="http://purl.oclc.org/ooxml/drawingml/main" xmlns:r="http://purl.oclc.org/ooxml/officeDocument/relationships" xmlns:p="http://purl.oclc.org/ooxml/presentationml/main">
   <p:cSld>
     <p:spTree>
@@ -8716,7 +8512,7 @@
                   <a:schemeClr val="bg1"/>
                 </a:solidFill>
               </a:rPr>
-              <a:t>18</a:t>
+              <a:t>17</a:t>
             </a:r>
           </a:p>
         </p:txBody>
@@ -8764,7 +8560,7 @@
 </p:sld>
 </file>
 
-<file path=ppt/slides/slide24.xml><?xml version="1.0" encoding="utf-8"?>
+<file path=ppt/slides/slide23.xml><?xml version="1.0" encoding="utf-8"?>
 <p:sld xmlns:a="http://purl.oclc.org/ooxml/drawingml/main" xmlns:r="http://purl.oclc.org/ooxml/officeDocument/relationships" xmlns:p="http://purl.oclc.org/ooxml/presentationml/main">
   <p:cSld>
     <p:spTree>
@@ -8805,14 +8601,14 @@
           <a:noFill/>
           <a:extLst>
             <a:ext uri="{909E8E84-426E-40dd-AFC4-6F175D3DCCD1}">
-              <a14:hiddenFill xmlns:a14="http://schemas.microsoft.com/office/drawing/2010/main" xmlns:p="http://schemas.openxmlformats.org/presentationml/2006/main" xmlns:r="http://schemas.openxmlformats.org/officeDocument/2006/relationships" xmlns:a="http://schemas.openxmlformats.org/drawingml/2006/main" xmlns="">
+              <a14:hiddenFill xmlns="" xmlns:a="http://schemas.openxmlformats.org/drawingml/2006/main" xmlns:r="http://schemas.openxmlformats.org/officeDocument/2006/relationships" xmlns:p="http://schemas.openxmlformats.org/presentationml/2006/main" xmlns:a14="http://schemas.microsoft.com/office/drawing/2010/main">
                 <a:solidFill>
                   <a:srgbClr val="FFFFFF"/>
                 </a:solidFill>
               </a14:hiddenFill>
             </a:ext>
             <a:ext uri="{91240B29-F687-4f45-9708-019B960494DF}">
-              <a14:hiddenLine xmlns:a14="http://schemas.microsoft.com/office/drawing/2010/main" xmlns:p="http://schemas.openxmlformats.org/presentationml/2006/main" xmlns:r="http://schemas.openxmlformats.org/officeDocument/2006/relationships" xmlns:a="http://schemas.openxmlformats.org/drawingml/2006/main" xmlns="" w="9525">
+              <a14:hiddenLine xmlns="" xmlns:a="http://schemas.openxmlformats.org/drawingml/2006/main" xmlns:r="http://schemas.openxmlformats.org/officeDocument/2006/relationships" xmlns:p="http://schemas.openxmlformats.org/presentationml/2006/main" xmlns:a14="http://schemas.microsoft.com/office/drawing/2010/main" w="9525">
                 <a:solidFill>
                   <a:srgbClr val="000000"/>
                 </a:solidFill>
@@ -8822,7 +8618,7 @@
               </a14:hiddenLine>
             </a:ext>
             <a:ext uri="{FAA26D3D-D897-4be2-8F04-BA451C77F1D7}">
-              <ma14:placeholderFlag xmlns:ma14="http://schemas.microsoft.com/office/mac/drawingml/2011/main" xmlns:p="http://schemas.openxmlformats.org/presentationml/2006/main" xmlns:r="http://schemas.openxmlformats.org/officeDocument/2006/relationships" xmlns:a="http://schemas.openxmlformats.org/drawingml/2006/main" xmlns="" val="1"/>
+              <ma14:placeholderFlag xmlns="" xmlns:a="http://schemas.openxmlformats.org/drawingml/2006/main" xmlns:r="http://schemas.openxmlformats.org/officeDocument/2006/relationships" xmlns:p="http://schemas.openxmlformats.org/presentationml/2006/main" xmlns:ma14="http://schemas.microsoft.com/office/mac/drawingml/2011/main" val="1"/>
             </a:ext>
           </a:extLst>
         </p:spPr>
@@ -8867,7 +8663,7 @@
 </p:sld>
 </file>
 
-<file path=ppt/slides/slide25.xml><?xml version="1.0" encoding="utf-8"?>
+<file path=ppt/slides/slide24.xml><?xml version="1.0" encoding="utf-8"?>
 <p:sld xmlns:a="http://purl.oclc.org/ooxml/drawingml/main" xmlns:r="http://purl.oclc.org/ooxml/officeDocument/relationships" xmlns:p="http://purl.oclc.org/ooxml/presentationml/main">
   <p:cSld>
     <p:spTree>
@@ -8999,7 +8795,7 @@
                   <a:schemeClr val="bg1"/>
                 </a:solidFill>
               </a:rPr>
-              <a:t>19</a:t>
+              <a:t>18</a:t>
             </a:r>
           </a:p>
         </p:txBody>
@@ -9017,7 +8813,7 @@
 </p:sld>
 </file>
 
-<file path=ppt/slides/slide26.xml><?xml version="1.0" encoding="utf-8"?>
+<file path=ppt/slides/slide25.xml><?xml version="1.0" encoding="utf-8"?>
 <p:sld xmlns:a="http://purl.oclc.org/ooxml/drawingml/main" xmlns:r="http://purl.oclc.org/ooxml/officeDocument/relationships" xmlns:p="http://purl.oclc.org/ooxml/presentationml/main">
   <p:cSld>
     <p:spTree>
@@ -9058,14 +8854,14 @@
           <a:noFill/>
           <a:extLst>
             <a:ext uri="{909E8E84-426E-40dd-AFC4-6F175D3DCCD1}">
-              <a14:hiddenFill xmlns:a14="http://schemas.microsoft.com/office/drawing/2010/main" xmlns:p="http://schemas.openxmlformats.org/presentationml/2006/main" xmlns:r="http://schemas.openxmlformats.org/officeDocument/2006/relationships" xmlns:a="http://schemas.openxmlformats.org/drawingml/2006/main" xmlns="">
+              <a14:hiddenFill xmlns="" xmlns:a="http://schemas.openxmlformats.org/drawingml/2006/main" xmlns:r="http://schemas.openxmlformats.org/officeDocument/2006/relationships" xmlns:p="http://schemas.openxmlformats.org/presentationml/2006/main" xmlns:a14="http://schemas.microsoft.com/office/drawing/2010/main">
                 <a:solidFill>
                   <a:srgbClr val="FFFFFF"/>
                 </a:solidFill>
               </a14:hiddenFill>
             </a:ext>
             <a:ext uri="{91240B29-F687-4f45-9708-019B960494DF}">
-              <a14:hiddenLine xmlns:a14="http://schemas.microsoft.com/office/drawing/2010/main" xmlns:p="http://schemas.openxmlformats.org/presentationml/2006/main" xmlns:r="http://schemas.openxmlformats.org/officeDocument/2006/relationships" xmlns:a="http://schemas.openxmlformats.org/drawingml/2006/main" xmlns="" w="9525">
+              <a14:hiddenLine xmlns="" xmlns:a="http://schemas.openxmlformats.org/drawingml/2006/main" xmlns:r="http://schemas.openxmlformats.org/officeDocument/2006/relationships" xmlns:p="http://schemas.openxmlformats.org/presentationml/2006/main" xmlns:a14="http://schemas.microsoft.com/office/drawing/2010/main" w="9525">
                 <a:solidFill>
                   <a:srgbClr val="000000"/>
                 </a:solidFill>
@@ -9075,7 +8871,7 @@
               </a14:hiddenLine>
             </a:ext>
             <a:ext uri="{FAA26D3D-D897-4be2-8F04-BA451C77F1D7}">
-              <ma14:placeholderFlag xmlns:ma14="http://schemas.microsoft.com/office/mac/drawingml/2011/main" xmlns:p="http://schemas.openxmlformats.org/presentationml/2006/main" xmlns:r="http://schemas.openxmlformats.org/officeDocument/2006/relationships" xmlns:a="http://schemas.openxmlformats.org/drawingml/2006/main" xmlns="" val="1"/>
+              <ma14:placeholderFlag xmlns="" xmlns:a="http://schemas.openxmlformats.org/drawingml/2006/main" xmlns:r="http://schemas.openxmlformats.org/officeDocument/2006/relationships" xmlns:p="http://schemas.openxmlformats.org/presentationml/2006/main" xmlns:ma14="http://schemas.microsoft.com/office/mac/drawingml/2011/main" val="1"/>
             </a:ext>
           </a:extLst>
         </p:spPr>
@@ -9120,7 +8916,7 @@
 </p:sld>
 </file>
 
-<file path=ppt/slides/slide27.xml><?xml version="1.0" encoding="utf-8"?>
+<file path=ppt/slides/slide26.xml><?xml version="1.0" encoding="utf-8"?>
 <p:sld xmlns:a="http://purl.oclc.org/ooxml/drawingml/main" xmlns:r="http://purl.oclc.org/ooxml/officeDocument/relationships" xmlns:p="http://purl.oclc.org/ooxml/presentationml/main">
   <p:cSld>
     <p:spTree>
@@ -9252,7 +9048,7 @@
                   <a:schemeClr val="bg1"/>
                 </a:solidFill>
               </a:rPr>
-              <a:t>20</a:t>
+              <a:t>19</a:t>
             </a:r>
           </a:p>
         </p:txBody>
@@ -9311,14 +9107,14 @@
           <a:noFill/>
           <a:extLst>
             <a:ext uri="{909E8E84-426E-40dd-AFC4-6F175D3DCCD1}">
-              <a14:hiddenFill xmlns:a14="http://schemas.microsoft.com/office/drawing/2010/main" xmlns:p="http://schemas.openxmlformats.org/presentationml/2006/main" xmlns:r="http://schemas.openxmlformats.org/officeDocument/2006/relationships" xmlns:a="http://schemas.openxmlformats.org/drawingml/2006/main" xmlns="">
+              <a14:hiddenFill xmlns="" xmlns:a="http://schemas.openxmlformats.org/drawingml/2006/main" xmlns:r="http://schemas.openxmlformats.org/officeDocument/2006/relationships" xmlns:p="http://schemas.openxmlformats.org/presentationml/2006/main" xmlns:a14="http://schemas.microsoft.com/office/drawing/2010/main">
                 <a:solidFill>
                   <a:srgbClr val="FFFFFF"/>
                 </a:solidFill>
               </a14:hiddenFill>
             </a:ext>
             <a:ext uri="{91240B29-F687-4f45-9708-019B960494DF}">
-              <a14:hiddenLine xmlns:a14="http://schemas.microsoft.com/office/drawing/2010/main" xmlns:p="http://schemas.openxmlformats.org/presentationml/2006/main" xmlns:r="http://schemas.openxmlformats.org/officeDocument/2006/relationships" xmlns:a="http://schemas.openxmlformats.org/drawingml/2006/main" xmlns="" w="9525">
+              <a14:hiddenLine xmlns="" xmlns:a="http://schemas.openxmlformats.org/drawingml/2006/main" xmlns:r="http://schemas.openxmlformats.org/officeDocument/2006/relationships" xmlns:p="http://schemas.openxmlformats.org/presentationml/2006/main" xmlns:a14="http://schemas.microsoft.com/office/drawing/2010/main" w="9525">
                 <a:solidFill>
                   <a:srgbClr val="000000"/>
                 </a:solidFill>
@@ -9328,7 +9124,7 @@
               </a14:hiddenLine>
             </a:ext>
             <a:ext uri="{FAA26D3D-D897-4be2-8F04-BA451C77F1D7}">
-              <ma14:placeholderFlag xmlns:ma14="http://schemas.microsoft.com/office/mac/drawingml/2011/main" xmlns:p="http://schemas.openxmlformats.org/presentationml/2006/main" xmlns:r="http://schemas.openxmlformats.org/officeDocument/2006/relationships" xmlns:a="http://schemas.openxmlformats.org/drawingml/2006/main" xmlns="" val="1"/>
+              <ma14:placeholderFlag xmlns="" xmlns:a="http://schemas.openxmlformats.org/drawingml/2006/main" xmlns:r="http://schemas.openxmlformats.org/officeDocument/2006/relationships" xmlns:p="http://schemas.openxmlformats.org/presentationml/2006/main" xmlns:ma14="http://schemas.microsoft.com/office/mac/drawingml/2011/main" val="1"/>
             </a:ext>
           </a:extLst>
         </p:spPr>
@@ -10086,14 +9882,14 @@
           <a:noFill/>
           <a:extLst>
             <a:ext uri="{909E8E84-426E-40dd-AFC4-6F175D3DCCD1}">
-              <a14:hiddenFill xmlns:a14="http://schemas.microsoft.com/office/drawing/2010/main" xmlns:p="http://schemas.openxmlformats.org/presentationml/2006/main" xmlns:r="http://schemas.openxmlformats.org/officeDocument/2006/relationships" xmlns:a="http://schemas.openxmlformats.org/drawingml/2006/main" xmlns="">
+              <a14:hiddenFill xmlns="" xmlns:a="http://schemas.openxmlformats.org/drawingml/2006/main" xmlns:r="http://schemas.openxmlformats.org/officeDocument/2006/relationships" xmlns:p="http://schemas.openxmlformats.org/presentationml/2006/main" xmlns:a14="http://schemas.microsoft.com/office/drawing/2010/main">
                 <a:solidFill>
                   <a:srgbClr val="FFFFFF"/>
                 </a:solidFill>
               </a14:hiddenFill>
             </a:ext>
             <a:ext uri="{91240B29-F687-4f45-9708-019B960494DF}">
-              <a14:hiddenLine xmlns:a14="http://schemas.microsoft.com/office/drawing/2010/main" xmlns:p="http://schemas.openxmlformats.org/presentationml/2006/main" xmlns:r="http://schemas.openxmlformats.org/officeDocument/2006/relationships" xmlns:a="http://schemas.openxmlformats.org/drawingml/2006/main" xmlns="" w="9525">
+              <a14:hiddenLine xmlns="" xmlns:a="http://schemas.openxmlformats.org/drawingml/2006/main" xmlns:r="http://schemas.openxmlformats.org/officeDocument/2006/relationships" xmlns:p="http://schemas.openxmlformats.org/presentationml/2006/main" xmlns:a14="http://schemas.microsoft.com/office/drawing/2010/main" w="9525">
                 <a:solidFill>
                   <a:srgbClr val="000000"/>
                 </a:solidFill>
@@ -10103,7 +9899,7 @@
               </a14:hiddenLine>
             </a:ext>
             <a:ext uri="{FAA26D3D-D897-4be2-8F04-BA451C77F1D7}">
-              <ma14:placeholderFlag xmlns:ma14="http://schemas.microsoft.com/office/mac/drawingml/2011/main" xmlns:p="http://schemas.openxmlformats.org/presentationml/2006/main" xmlns:r="http://schemas.openxmlformats.org/officeDocument/2006/relationships" xmlns:a="http://schemas.openxmlformats.org/drawingml/2006/main" xmlns="" val="1"/>
+              <ma14:placeholderFlag xmlns="" xmlns:a="http://schemas.openxmlformats.org/drawingml/2006/main" xmlns:r="http://schemas.openxmlformats.org/officeDocument/2006/relationships" xmlns:p="http://schemas.openxmlformats.org/presentationml/2006/main" xmlns:ma14="http://schemas.microsoft.com/office/mac/drawingml/2011/main" val="1"/>
             </a:ext>
           </a:extLst>
         </p:spPr>
